--- a/Technical Seminar Presentation PPT format _BE_2023.pptx
+++ b/Technical Seminar Presentation PPT format _BE_2023.pptx
@@ -5,10 +5,10 @@
     <p:sldMasterId id="2147483648" r:id="rId1"/>
   </p:sldMasterIdLst>
   <p:notesMasterIdLst>
-    <p:notesMasterId r:id="rId18"/>
+    <p:notesMasterId r:id="rId17"/>
   </p:notesMasterIdLst>
   <p:handoutMasterIdLst>
-    <p:handoutMasterId r:id="rId19"/>
+    <p:handoutMasterId r:id="rId18"/>
   </p:handoutMasterIdLst>
   <p:sldIdLst>
     <p:sldId id="257" r:id="rId2"/>
@@ -22,11 +22,10 @@
     <p:sldId id="302" r:id="rId10"/>
     <p:sldId id="303" r:id="rId11"/>
     <p:sldId id="300" r:id="rId12"/>
-    <p:sldId id="301" r:id="rId13"/>
-    <p:sldId id="298" r:id="rId14"/>
-    <p:sldId id="264" r:id="rId15"/>
-    <p:sldId id="265" r:id="rId16"/>
-    <p:sldId id="266" r:id="rId17"/>
+    <p:sldId id="298" r:id="rId13"/>
+    <p:sldId id="264" r:id="rId14"/>
+    <p:sldId id="265" r:id="rId15"/>
+    <p:sldId id="266" r:id="rId16"/>
   </p:sldIdLst>
   <p:sldSz cx="12192000" cy="6858000"/>
   <p:notesSz cx="6858000" cy="9144000"/>
@@ -183,10 +182,10 @@
           </a:lstStyle>
           <a:p>
             <a:r>
-              <a:rPr lang="en-US" smtClean="0"/>
+              <a:rPr lang="en-US" dirty="0" smtClean="0"/>
               <a:t>Edge Computing</a:t>
             </a:r>
-            <a:endParaRPr lang="en-US"/>
+            <a:endParaRPr lang="en-US" dirty="0"/>
           </a:p>
         </p:txBody>
       </p:sp>
@@ -219,9 +218,9 @@
           <a:p>
             <a:fld id="{C2C978A6-448C-4AEE-B4F4-2354FE70D824}" type="datetimeFigureOut">
               <a:rPr lang="en-US" smtClean="0"/>
-              <a:t>28-Apr-23</a:t>
+              <a:t>29-Apr-23</a:t>
             </a:fld>
-            <a:endParaRPr lang="en-US"/>
+            <a:endParaRPr lang="en-US" dirty="0"/>
           </a:p>
         </p:txBody>
       </p:sp>
@@ -252,7 +251,7 @@
             </a:lvl1pPr>
           </a:lstStyle>
           <a:p>
-            <a:endParaRPr lang="en-US"/>
+            <a:endParaRPr lang="en-US" dirty="0"/>
           </a:p>
         </p:txBody>
       </p:sp>
@@ -287,7 +286,7 @@
               <a:rPr lang="en-US" smtClean="0"/>
               <a:t>‹#›</a:t>
             </a:fld>
-            <a:endParaRPr lang="en-US"/>
+            <a:endParaRPr lang="en-US" dirty="0"/>
           </a:p>
         </p:txBody>
       </p:sp>
@@ -353,10 +352,10 @@
           </a:lstStyle>
           <a:p>
             <a:r>
-              <a:rPr lang="en-US" smtClean="0"/>
+              <a:rPr lang="en-US" dirty="0" smtClean="0"/>
               <a:t>Edge Computing</a:t>
             </a:r>
-            <a:endParaRPr lang="en-US"/>
+            <a:endParaRPr lang="en-US" dirty="0"/>
           </a:p>
         </p:txBody>
       </p:sp>
@@ -389,9 +388,9 @@
           <a:p>
             <a:fld id="{AEEBAEDC-97A5-41BF-AE8A-4A42B72F74F6}" type="datetimeFigureOut">
               <a:rPr lang="en-US" smtClean="0"/>
-              <a:t>28-Apr-23</a:t>
+              <a:t>29-Apr-23</a:t>
             </a:fld>
-            <a:endParaRPr lang="en-US"/>
+            <a:endParaRPr lang="en-US" dirty="0"/>
           </a:p>
         </p:txBody>
       </p:sp>
@@ -424,7 +423,7 @@
           <a:bodyPr vert="horz" lIns="91440" tIns="45720" rIns="91440" bIns="45720" rtlCol="0" anchor="ctr"/>
           <a:lstStyle/>
           <a:p>
-            <a:endParaRPr lang="en-US"/>
+            <a:endParaRPr lang="en-US" dirty="0"/>
           </a:p>
         </p:txBody>
       </p:sp>
@@ -515,7 +514,7 @@
             </a:lvl1pPr>
           </a:lstStyle>
           <a:p>
-            <a:endParaRPr lang="en-US"/>
+            <a:endParaRPr lang="en-US" dirty="0"/>
           </a:p>
         </p:txBody>
       </p:sp>
@@ -550,7 +549,7 @@
               <a:rPr lang="en-US" smtClean="0"/>
               <a:t>‹#›</a:t>
             </a:fld>
-            <a:endParaRPr lang="en-US"/>
+            <a:endParaRPr lang="en-US" dirty="0"/>
           </a:p>
         </p:txBody>
       </p:sp>
@@ -699,7 +698,7 @@
           </a:bodyPr>
           <a:lstStyle/>
           <a:p>
-            <a:endParaRPr lang="en-IN"/>
+            <a:endParaRPr lang="en-IN" dirty="0"/>
           </a:p>
         </p:txBody>
       </p:sp>
@@ -722,7 +721,7 @@
               <a:rPr lang="en-IN" smtClean="0"/>
               <a:t>1</a:t>
             </a:fld>
-            <a:endParaRPr lang="en-IN"/>
+            <a:endParaRPr lang="en-IN" dirty="0"/>
           </a:p>
         </p:txBody>
       </p:sp>
@@ -742,10 +741,10 @@
           <a:lstStyle/>
           <a:p>
             <a:r>
-              <a:rPr lang="en-IN" smtClean="0"/>
+              <a:rPr lang="en-IN" dirty="0" smtClean="0"/>
               <a:t>SAD</a:t>
             </a:r>
-            <a:endParaRPr lang="en-IN"/>
+            <a:endParaRPr lang="en-IN" dirty="0"/>
           </a:p>
         </p:txBody>
       </p:sp>
@@ -765,10 +764,10 @@
           <a:lstStyle/>
           <a:p>
             <a:r>
-              <a:rPr lang="en-US" smtClean="0"/>
+              <a:rPr lang="en-US" dirty="0" smtClean="0"/>
               <a:t>Edge Computing</a:t>
             </a:r>
-            <a:endParaRPr lang="en-US"/>
+            <a:endParaRPr lang="en-US" dirty="0"/>
           </a:p>
         </p:txBody>
       </p:sp>
@@ -826,7 +825,7 @@
           </a:bodyPr>
           <a:lstStyle/>
           <a:p>
-            <a:endParaRPr lang="en-US"/>
+            <a:endParaRPr lang="en-US" dirty="0"/>
           </a:p>
         </p:txBody>
       </p:sp>
@@ -849,7 +848,7 @@
               <a:rPr lang="en-IN" smtClean="0"/>
               <a:t>2</a:t>
             </a:fld>
-            <a:endParaRPr lang="en-IN"/>
+            <a:endParaRPr lang="en-IN" dirty="0"/>
           </a:p>
         </p:txBody>
       </p:sp>
@@ -869,10 +868,10 @@
           <a:lstStyle/>
           <a:p>
             <a:r>
-              <a:rPr lang="en-IN" smtClean="0"/>
+              <a:rPr lang="en-IN" dirty="0" smtClean="0"/>
               <a:t>SAD</a:t>
             </a:r>
-            <a:endParaRPr lang="en-IN"/>
+            <a:endParaRPr lang="en-IN" dirty="0"/>
           </a:p>
         </p:txBody>
       </p:sp>
@@ -892,10 +891,10 @@
           <a:lstStyle/>
           <a:p>
             <a:r>
-              <a:rPr lang="en-US" smtClean="0"/>
+              <a:rPr lang="en-US" dirty="0" smtClean="0"/>
               <a:t>Edge Computing</a:t>
             </a:r>
-            <a:endParaRPr lang="en-US"/>
+            <a:endParaRPr lang="en-US" dirty="0"/>
           </a:p>
         </p:txBody>
       </p:sp>
@@ -953,7 +952,7 @@
           </a:bodyPr>
           <a:lstStyle/>
           <a:p>
-            <a:endParaRPr lang="en-IN"/>
+            <a:endParaRPr lang="en-IN" dirty="0"/>
           </a:p>
         </p:txBody>
       </p:sp>
@@ -976,7 +975,7 @@
               <a:rPr lang="en-IN" smtClean="0"/>
               <a:t>3</a:t>
             </a:fld>
-            <a:endParaRPr lang="en-IN"/>
+            <a:endParaRPr lang="en-IN" dirty="0"/>
           </a:p>
         </p:txBody>
       </p:sp>
@@ -996,10 +995,10 @@
           <a:lstStyle/>
           <a:p>
             <a:r>
-              <a:rPr lang="en-IN" smtClean="0"/>
+              <a:rPr lang="en-IN" dirty="0" smtClean="0"/>
               <a:t>SAD</a:t>
             </a:r>
-            <a:endParaRPr lang="en-IN"/>
+            <a:endParaRPr lang="en-IN" dirty="0"/>
           </a:p>
         </p:txBody>
       </p:sp>
@@ -1019,10 +1018,10 @@
           <a:lstStyle/>
           <a:p>
             <a:r>
-              <a:rPr lang="en-US" smtClean="0"/>
+              <a:rPr lang="en-US" dirty="0" smtClean="0"/>
               <a:t>Edge Computing</a:t>
             </a:r>
-            <a:endParaRPr lang="en-US"/>
+            <a:endParaRPr lang="en-US" dirty="0"/>
           </a:p>
         </p:txBody>
       </p:sp>
@@ -1080,7 +1079,7 @@
           </a:bodyPr>
           <a:lstStyle/>
           <a:p>
-            <a:endParaRPr lang="en-US"/>
+            <a:endParaRPr lang="en-US" dirty="0"/>
           </a:p>
         </p:txBody>
       </p:sp>
@@ -1101,9 +1100,9 @@
           <a:p>
             <a:fld id="{AC33C6C5-4BC2-4FA6-8F6A-733A298C7688}" type="slidenum">
               <a:rPr lang="en-IN" smtClean="0"/>
-              <a:t>16</a:t>
+              <a:t>15</a:t>
             </a:fld>
-            <a:endParaRPr lang="en-IN"/>
+            <a:endParaRPr lang="en-IN" dirty="0"/>
           </a:p>
         </p:txBody>
       </p:sp>
@@ -1123,10 +1122,10 @@
           <a:lstStyle/>
           <a:p>
             <a:r>
-              <a:rPr lang="en-IN" smtClean="0"/>
+              <a:rPr lang="en-IN" dirty="0" smtClean="0"/>
               <a:t>SAD</a:t>
             </a:r>
-            <a:endParaRPr lang="en-IN"/>
+            <a:endParaRPr lang="en-IN" dirty="0"/>
           </a:p>
         </p:txBody>
       </p:sp>
@@ -1146,10 +1145,10 @@
           <a:lstStyle/>
           <a:p>
             <a:r>
-              <a:rPr lang="en-US" smtClean="0"/>
+              <a:rPr lang="en-US" dirty="0" smtClean="0"/>
               <a:t>Edge Computing</a:t>
             </a:r>
-            <a:endParaRPr lang="en-US"/>
+            <a:endParaRPr lang="en-US" dirty="0"/>
           </a:p>
         </p:txBody>
       </p:sp>
@@ -1291,10 +1290,10 @@
           <a:lstStyle/>
           <a:p>
             <a:r>
-              <a:rPr lang="en-US" smtClean="0"/>
+              <a:rPr lang="en-US" dirty="0" smtClean="0"/>
               <a:t>Dept. of CSE,RNSIT</a:t>
             </a:r>
-            <a:endParaRPr lang="en-US"/>
+            <a:endParaRPr lang="en-US" dirty="0"/>
           </a:p>
         </p:txBody>
       </p:sp>
@@ -1314,10 +1313,10 @@
           <a:lstStyle/>
           <a:p>
             <a:r>
-              <a:rPr lang="en-US" smtClean="0"/>
+              <a:rPr lang="en-US" dirty="0" smtClean="0"/>
               <a:t>2018 - 19</a:t>
             </a:r>
-            <a:endParaRPr lang="en-US"/>
+            <a:endParaRPr lang="en-US" dirty="0"/>
           </a:p>
         </p:txBody>
       </p:sp>
@@ -1340,7 +1339,7 @@
               <a:rPr lang="en-US" smtClean="0"/>
               <a:t>‹#›</a:t>
             </a:fld>
-            <a:endParaRPr lang="en-US"/>
+            <a:endParaRPr lang="en-US" dirty="0"/>
           </a:p>
         </p:txBody>
       </p:sp>
@@ -1460,10 +1459,10 @@
           <a:lstStyle/>
           <a:p>
             <a:r>
-              <a:rPr lang="en-US" smtClean="0"/>
+              <a:rPr lang="en-US" dirty="0" smtClean="0"/>
               <a:t>Dept. of CSE,RNSIT</a:t>
             </a:r>
-            <a:endParaRPr lang="en-US"/>
+            <a:endParaRPr lang="en-US" dirty="0"/>
           </a:p>
         </p:txBody>
       </p:sp>
@@ -1483,10 +1482,10 @@
           <a:lstStyle/>
           <a:p>
             <a:r>
-              <a:rPr lang="en-US" smtClean="0"/>
+              <a:rPr lang="en-US" dirty="0" smtClean="0"/>
               <a:t>2018 - 19</a:t>
             </a:r>
-            <a:endParaRPr lang="en-US"/>
+            <a:endParaRPr lang="en-US" dirty="0"/>
           </a:p>
         </p:txBody>
       </p:sp>
@@ -1509,7 +1508,7 @@
               <a:rPr lang="en-US" smtClean="0"/>
               <a:t>‹#›</a:t>
             </a:fld>
-            <a:endParaRPr lang="en-US"/>
+            <a:endParaRPr lang="en-US" dirty="0"/>
           </a:p>
         </p:txBody>
       </p:sp>
@@ -1639,10 +1638,10 @@
           <a:lstStyle/>
           <a:p>
             <a:r>
-              <a:rPr lang="en-US" smtClean="0"/>
+              <a:rPr lang="en-US" dirty="0" smtClean="0"/>
               <a:t>Dept. of CSE,RNSIT</a:t>
             </a:r>
-            <a:endParaRPr lang="en-US"/>
+            <a:endParaRPr lang="en-US" dirty="0"/>
           </a:p>
         </p:txBody>
       </p:sp>
@@ -1662,10 +1661,10 @@
           <a:lstStyle/>
           <a:p>
             <a:r>
-              <a:rPr lang="en-US" smtClean="0"/>
+              <a:rPr lang="en-US" dirty="0" smtClean="0"/>
               <a:t>2018 - 19</a:t>
             </a:r>
-            <a:endParaRPr lang="en-US"/>
+            <a:endParaRPr lang="en-US" dirty="0"/>
           </a:p>
         </p:txBody>
       </p:sp>
@@ -1688,7 +1687,7 @@
               <a:rPr lang="en-US" smtClean="0"/>
               <a:t>‹#›</a:t>
             </a:fld>
-            <a:endParaRPr lang="en-US"/>
+            <a:endParaRPr lang="en-US" dirty="0"/>
           </a:p>
         </p:txBody>
       </p:sp>
@@ -1808,10 +1807,10 @@
           <a:lstStyle/>
           <a:p>
             <a:r>
-              <a:rPr lang="en-US" smtClean="0"/>
+              <a:rPr lang="en-US" dirty="0" smtClean="0"/>
               <a:t>Dept. of CSE,RNSIT</a:t>
             </a:r>
-            <a:endParaRPr lang="en-US"/>
+            <a:endParaRPr lang="en-US" dirty="0"/>
           </a:p>
         </p:txBody>
       </p:sp>
@@ -1831,10 +1830,10 @@
           <a:lstStyle/>
           <a:p>
             <a:r>
-              <a:rPr lang="en-US" smtClean="0"/>
+              <a:rPr lang="en-US" dirty="0" smtClean="0"/>
               <a:t>2018 - 19</a:t>
             </a:r>
-            <a:endParaRPr lang="en-US"/>
+            <a:endParaRPr lang="en-US" dirty="0"/>
           </a:p>
         </p:txBody>
       </p:sp>
@@ -1857,7 +1856,7 @@
               <a:rPr lang="en-US" smtClean="0"/>
               <a:t>‹#›</a:t>
             </a:fld>
-            <a:endParaRPr lang="en-US"/>
+            <a:endParaRPr lang="en-US" dirty="0"/>
           </a:p>
         </p:txBody>
       </p:sp>
@@ -2053,10 +2052,10 @@
           <a:lstStyle/>
           <a:p>
             <a:r>
-              <a:rPr lang="en-US" smtClean="0"/>
+              <a:rPr lang="en-US" dirty="0" smtClean="0"/>
               <a:t>Dept. of CSE,RNSIT</a:t>
             </a:r>
-            <a:endParaRPr lang="en-US"/>
+            <a:endParaRPr lang="en-US" dirty="0"/>
           </a:p>
         </p:txBody>
       </p:sp>
@@ -2076,10 +2075,10 @@
           <a:lstStyle/>
           <a:p>
             <a:r>
-              <a:rPr lang="en-US" smtClean="0"/>
+              <a:rPr lang="en-US" dirty="0" smtClean="0"/>
               <a:t>2018 - 19</a:t>
             </a:r>
-            <a:endParaRPr lang="en-US"/>
+            <a:endParaRPr lang="en-US" dirty="0"/>
           </a:p>
         </p:txBody>
       </p:sp>
@@ -2102,7 +2101,7 @@
               <a:rPr lang="en-US" smtClean="0"/>
               <a:t>‹#›</a:t>
             </a:fld>
-            <a:endParaRPr lang="en-US"/>
+            <a:endParaRPr lang="en-US" dirty="0"/>
           </a:p>
         </p:txBody>
       </p:sp>
@@ -2284,10 +2283,10 @@
           <a:lstStyle/>
           <a:p>
             <a:r>
-              <a:rPr lang="en-US" smtClean="0"/>
+              <a:rPr lang="en-US" dirty="0" smtClean="0"/>
               <a:t>Dept. of CSE,RNSIT</a:t>
             </a:r>
-            <a:endParaRPr lang="en-US"/>
+            <a:endParaRPr lang="en-US" dirty="0"/>
           </a:p>
         </p:txBody>
       </p:sp>
@@ -2307,10 +2306,10 @@
           <a:lstStyle/>
           <a:p>
             <a:r>
-              <a:rPr lang="en-US" smtClean="0"/>
+              <a:rPr lang="en-US" dirty="0" smtClean="0"/>
               <a:t>2018 - 19</a:t>
             </a:r>
-            <a:endParaRPr lang="en-US"/>
+            <a:endParaRPr lang="en-US" dirty="0"/>
           </a:p>
         </p:txBody>
       </p:sp>
@@ -2333,7 +2332,7 @@
               <a:rPr lang="en-US" smtClean="0"/>
               <a:t>‹#›</a:t>
             </a:fld>
-            <a:endParaRPr lang="en-US"/>
+            <a:endParaRPr lang="en-US" dirty="0"/>
           </a:p>
         </p:txBody>
       </p:sp>
@@ -2650,10 +2649,10 @@
           <a:lstStyle/>
           <a:p>
             <a:r>
-              <a:rPr lang="en-US" smtClean="0"/>
+              <a:rPr lang="en-US" dirty="0" smtClean="0"/>
               <a:t>Dept. of CSE,RNSIT</a:t>
             </a:r>
-            <a:endParaRPr lang="en-US"/>
+            <a:endParaRPr lang="en-US" dirty="0"/>
           </a:p>
         </p:txBody>
       </p:sp>
@@ -2673,10 +2672,10 @@
           <a:lstStyle/>
           <a:p>
             <a:r>
-              <a:rPr lang="en-US" smtClean="0"/>
+              <a:rPr lang="en-US" dirty="0" smtClean="0"/>
               <a:t>2018 - 19</a:t>
             </a:r>
-            <a:endParaRPr lang="en-US"/>
+            <a:endParaRPr lang="en-US" dirty="0"/>
           </a:p>
         </p:txBody>
       </p:sp>
@@ -2699,7 +2698,7 @@
               <a:rPr lang="en-US" smtClean="0"/>
               <a:t>‹#›</a:t>
             </a:fld>
-            <a:endParaRPr lang="en-US"/>
+            <a:endParaRPr lang="en-US" dirty="0"/>
           </a:p>
         </p:txBody>
       </p:sp>
@@ -2767,10 +2766,10 @@
           <a:lstStyle/>
           <a:p>
             <a:r>
-              <a:rPr lang="en-US" smtClean="0"/>
+              <a:rPr lang="en-US" dirty="0" smtClean="0"/>
               <a:t>Dept. of CSE,RNSIT</a:t>
             </a:r>
-            <a:endParaRPr lang="en-US"/>
+            <a:endParaRPr lang="en-US" dirty="0"/>
           </a:p>
         </p:txBody>
       </p:sp>
@@ -2790,10 +2789,10 @@
           <a:lstStyle/>
           <a:p>
             <a:r>
-              <a:rPr lang="en-US" smtClean="0"/>
+              <a:rPr lang="en-US" dirty="0" smtClean="0"/>
               <a:t>2018 - 19</a:t>
             </a:r>
-            <a:endParaRPr lang="en-US"/>
+            <a:endParaRPr lang="en-US" dirty="0"/>
           </a:p>
         </p:txBody>
       </p:sp>
@@ -2816,7 +2815,7 @@
               <a:rPr lang="en-US" smtClean="0"/>
               <a:t>‹#›</a:t>
             </a:fld>
-            <a:endParaRPr lang="en-US"/>
+            <a:endParaRPr lang="en-US" dirty="0"/>
           </a:p>
         </p:txBody>
       </p:sp>
@@ -2861,10 +2860,10 @@
           <a:lstStyle/>
           <a:p>
             <a:r>
-              <a:rPr lang="en-US" smtClean="0"/>
+              <a:rPr lang="en-US" dirty="0" smtClean="0"/>
               <a:t>Dept. of CSE,RNSIT</a:t>
             </a:r>
-            <a:endParaRPr lang="en-US"/>
+            <a:endParaRPr lang="en-US" dirty="0"/>
           </a:p>
         </p:txBody>
       </p:sp>
@@ -2884,10 +2883,10 @@
           <a:lstStyle/>
           <a:p>
             <a:r>
-              <a:rPr lang="en-US" smtClean="0"/>
+              <a:rPr lang="en-US" dirty="0" smtClean="0"/>
               <a:t>2018 - 19</a:t>
             </a:r>
-            <a:endParaRPr lang="en-US"/>
+            <a:endParaRPr lang="en-US" dirty="0"/>
           </a:p>
         </p:txBody>
       </p:sp>
@@ -2910,7 +2909,7 @@
               <a:rPr lang="en-US" smtClean="0"/>
               <a:t>‹#›</a:t>
             </a:fld>
-            <a:endParaRPr lang="en-US"/>
+            <a:endParaRPr lang="en-US" dirty="0"/>
           </a:p>
         </p:txBody>
       </p:sp>
@@ -3137,10 +3136,10 @@
           <a:lstStyle/>
           <a:p>
             <a:r>
-              <a:rPr lang="en-US" smtClean="0"/>
+              <a:rPr lang="en-US" dirty="0" smtClean="0"/>
               <a:t>Dept. of CSE,RNSIT</a:t>
             </a:r>
-            <a:endParaRPr lang="en-US"/>
+            <a:endParaRPr lang="en-US" dirty="0"/>
           </a:p>
         </p:txBody>
       </p:sp>
@@ -3160,10 +3159,10 @@
           <a:lstStyle/>
           <a:p>
             <a:r>
-              <a:rPr lang="en-US" smtClean="0"/>
+              <a:rPr lang="en-US" dirty="0" smtClean="0"/>
               <a:t>2018 - 19</a:t>
             </a:r>
-            <a:endParaRPr lang="en-US"/>
+            <a:endParaRPr lang="en-US" dirty="0"/>
           </a:p>
         </p:txBody>
       </p:sp>
@@ -3186,7 +3185,7 @@
               <a:rPr lang="en-US" smtClean="0"/>
               <a:t>‹#›</a:t>
             </a:fld>
-            <a:endParaRPr lang="en-US"/>
+            <a:endParaRPr lang="en-US" dirty="0"/>
           </a:p>
         </p:txBody>
       </p:sp>
@@ -3304,7 +3303,7 @@
             </a:lvl9pPr>
           </a:lstStyle>
           <a:p>
-            <a:endParaRPr lang="en-US"/>
+            <a:endParaRPr lang="en-US" dirty="0"/>
           </a:p>
         </p:txBody>
       </p:sp>
@@ -3389,10 +3388,10 @@
           <a:lstStyle/>
           <a:p>
             <a:r>
-              <a:rPr lang="en-US" smtClean="0"/>
+              <a:rPr lang="en-US" dirty="0" smtClean="0"/>
               <a:t>Dept. of CSE,RNSIT</a:t>
             </a:r>
-            <a:endParaRPr lang="en-US"/>
+            <a:endParaRPr lang="en-US" dirty="0"/>
           </a:p>
         </p:txBody>
       </p:sp>
@@ -3412,10 +3411,10 @@
           <a:lstStyle/>
           <a:p>
             <a:r>
-              <a:rPr lang="en-US" smtClean="0"/>
+              <a:rPr lang="en-US" dirty="0" smtClean="0"/>
               <a:t>2018 - 19</a:t>
             </a:r>
-            <a:endParaRPr lang="en-US"/>
+            <a:endParaRPr lang="en-US" dirty="0"/>
           </a:p>
         </p:txBody>
       </p:sp>
@@ -3438,7 +3437,7 @@
               <a:rPr lang="en-US" smtClean="0"/>
               <a:t>‹#›</a:t>
             </a:fld>
-            <a:endParaRPr lang="en-US"/>
+            <a:endParaRPr lang="en-US" dirty="0"/>
           </a:p>
         </p:txBody>
       </p:sp>
@@ -3601,10 +3600,10 @@
           </a:lstStyle>
           <a:p>
             <a:r>
-              <a:rPr lang="en-US" smtClean="0"/>
+              <a:rPr lang="en-US" dirty="0" smtClean="0"/>
               <a:t>Dept. of CSE,RNSIT</a:t>
             </a:r>
-            <a:endParaRPr lang="en-US"/>
+            <a:endParaRPr lang="en-US" dirty="0"/>
           </a:p>
         </p:txBody>
       </p:sp>
@@ -3642,10 +3641,10 @@
           </a:lstStyle>
           <a:p>
             <a:r>
-              <a:rPr lang="en-US" smtClean="0"/>
+              <a:rPr lang="en-US" dirty="0" smtClean="0"/>
               <a:t>2018 - 19</a:t>
             </a:r>
-            <a:endParaRPr lang="en-US"/>
+            <a:endParaRPr lang="en-US" dirty="0"/>
           </a:p>
         </p:txBody>
       </p:sp>
@@ -3686,7 +3685,7 @@
               <a:rPr lang="en-US" smtClean="0"/>
               <a:t>‹#›</a:t>
             </a:fld>
-            <a:endParaRPr lang="en-US"/>
+            <a:endParaRPr lang="en-US" dirty="0"/>
           </a:p>
         </p:txBody>
       </p:sp>
@@ -4112,11 +4111,11 @@
               <a:t> </a:t>
             </a:r>
             <a:r>
-              <a:rPr lang="en-US" dirty="0">
-                <a:latin typeface="Times New Roman" panose="02020603050405020304" pitchFamily="18" charset="0"/>
-                <a:cs typeface="Times New Roman" panose="02020603050405020304" pitchFamily="18" charset="0"/>
-              </a:rPr>
-              <a:t>Students:          </a:t>
+              <a:rPr lang="en-US" dirty="0" smtClean="0">
+                <a:latin typeface="Times New Roman" panose="02020603050405020304" pitchFamily="18" charset="0"/>
+                <a:cs typeface="Times New Roman" panose="02020603050405020304" pitchFamily="18" charset="0"/>
+              </a:rPr>
+              <a:t>Student:          </a:t>
             </a:r>
             <a:endParaRPr lang="en-US" sz="2000" dirty="0">
               <a:latin typeface="Times New Roman" panose="02020603050405020304" pitchFamily="18" charset="0"/>
@@ -4220,7 +4219,7 @@
         </p:nvSpPr>
         <p:spPr>
           <a:xfrm>
-            <a:off x="7024693" y="3143248"/>
+            <a:off x="7024694" y="3214686"/>
             <a:ext cx="3268837" cy="1200329"/>
           </a:xfrm>
           <a:prstGeom prst="rect">
@@ -4311,7 +4310,7 @@
           </a:bodyPr>
           <a:lstStyle/>
           <a:p>
-            <a:endParaRPr lang="en-US"/>
+            <a:endParaRPr lang="en-US" dirty="0"/>
           </a:p>
         </p:txBody>
       </p:sp>
@@ -4331,7 +4330,7 @@
           <a:graphicData uri="http://schemas.openxmlformats.org/presentationml/2006/ole">
             <mc:AlternateContent xmlns:mc="http://schemas.openxmlformats.org/markup-compatibility/2006">
               <mc:Choice xmlns:v="urn:schemas-microsoft-com:vml" Requires="v">
-                <p:oleObj spid="_x0000_s1095" name="Picture" r:id="rId4" imgW="1408430" imgH="2011680" progId="Word.Picture.8">
+                <p:oleObj spid="_x0000_s1100" name="Picture" r:id="rId4" imgW="1408430" imgH="2011680" progId="Word.Picture.8">
                   <p:embed/>
                 </p:oleObj>
               </mc:Choice>
@@ -4624,7 +4623,6 @@
               <a:rPr lang="en-US" sz="2000" dirty="0"/>
               <a:t>Despite the early stages of adoption in healthcare, the potential of edge computing to revolutionize in-hospital patient monitoring is expected to drive its rapid growth in the coming years. Edge computing can enable timely intervention by healthcare professionals in critical care settings, reducing the risk of delayed response and improving patient outcomes. Additionally, edge computing can enhance the efficiency of in-hospital patient monitoring by reducing the amount of data that needs to be transmitted to the central server, mitigating security concerns and potential data loss due to network latency. The benefits of edge computing for in-hospital patient monitoring make it a promising technology for the healthcare industry, with the potential to improve patient outcomes and reduce healthcare costs.</a:t>
             </a:r>
-            <a:endParaRPr lang="en-US" sz="2000" dirty="0"/>
           </a:p>
         </p:txBody>
       </p:sp>
@@ -4644,10 +4642,10 @@
           <a:lstStyle/>
           <a:p>
             <a:r>
-              <a:rPr lang="en-US" smtClean="0"/>
+              <a:rPr lang="en-US" dirty="0" smtClean="0"/>
               <a:t>Dept. of CSE,RNSIT</a:t>
             </a:r>
-            <a:endParaRPr lang="en-US"/>
+            <a:endParaRPr lang="en-US" dirty="0"/>
           </a:p>
         </p:txBody>
       </p:sp>
@@ -4667,10 +4665,10 @@
           <a:lstStyle/>
           <a:p>
             <a:r>
-              <a:rPr lang="en-US" smtClean="0"/>
+              <a:rPr lang="en-US" dirty="0" smtClean="0"/>
               <a:t>2018 - 19</a:t>
             </a:r>
-            <a:endParaRPr lang="en-US"/>
+            <a:endParaRPr lang="en-US" dirty="0"/>
           </a:p>
         </p:txBody>
       </p:sp>
@@ -4693,7 +4691,7 @@
               <a:rPr lang="en-US" smtClean="0"/>
               <a:t>10</a:t>
             </a:fld>
-            <a:endParaRPr lang="en-US"/>
+            <a:endParaRPr lang="en-US" dirty="0"/>
           </a:p>
         </p:txBody>
       </p:sp>
@@ -4707,6 +4705,13 @@
   <p:clrMapOvr>
     <a:masterClrMapping/>
   </p:clrMapOvr>
+  <p:timing>
+    <p:tnLst>
+      <p:par>
+        <p:cTn id="1" dur="indefinite" restart="never" nodeType="tmRoot"/>
+      </p:par>
+    </p:tnLst>
+  </p:timing>
 </p:sld>
 </file>
 
@@ -4737,7 +4742,12 @@
             <p:ph type="title"/>
           </p:nvPr>
         </p:nvSpPr>
-        <p:spPr/>
+        <p:spPr>
+          <a:xfrm>
+            <a:off x="838200" y="149387"/>
+            <a:ext cx="10515600" cy="1325563"/>
+          </a:xfrm>
+        </p:spPr>
         <p:txBody>
           <a:bodyPr>
             <a:noAutofit/>
@@ -4753,7 +4763,7 @@
                 <a:latin typeface="Times New Roman" panose="02020603050405020304" pitchFamily="18" charset="0"/>
                 <a:cs typeface="Times New Roman" panose="02020603050405020304" pitchFamily="18" charset="0"/>
               </a:rPr>
-              <a:t>Applications of Edge Computing</a:t>
+              <a:t>Applications and Challenges of Edge Computing</a:t>
             </a:r>
             <a:endParaRPr lang="en-IN" sz="3200" b="1" dirty="0">
               <a:solidFill>
@@ -4781,10 +4791,10 @@
           <a:lstStyle/>
           <a:p>
             <a:r>
-              <a:rPr lang="en-US" smtClean="0"/>
+              <a:rPr lang="en-US" dirty="0" smtClean="0"/>
               <a:t>Dept. of CSE,RNSIT</a:t>
             </a:r>
-            <a:endParaRPr lang="en-IN"/>
+            <a:endParaRPr lang="en-IN" dirty="0"/>
           </a:p>
         </p:txBody>
       </p:sp>
@@ -4841,7 +4851,7 @@
               <a:rPr lang="en-IN" smtClean="0"/>
               <a:t>11</a:t>
             </a:fld>
-            <a:endParaRPr lang="en-IN"/>
+            <a:endParaRPr lang="en-IN" dirty="0"/>
           </a:p>
         </p:txBody>
       </p:sp>
@@ -4867,7 +4877,7 @@
           </a:bodyPr>
           <a:lstStyle/>
           <a:p>
-            <a:endParaRPr lang="en-US"/>
+            <a:endParaRPr lang="en-US" dirty="0"/>
           </a:p>
         </p:txBody>
       </p:sp>
@@ -4893,7 +4903,7 @@
           </a:bodyPr>
           <a:lstStyle/>
           <a:p>
-            <a:endParaRPr lang="en-US"/>
+            <a:endParaRPr lang="en-US" dirty="0"/>
           </a:p>
         </p:txBody>
       </p:sp>
@@ -4913,8 +4923,8 @@
         </p:nvSpPr>
         <p:spPr>
           <a:xfrm>
-            <a:off x="990600" y="1978025"/>
-            <a:ext cx="10515600" cy="4351338"/>
+            <a:off x="838200" y="1195340"/>
+            <a:ext cx="10515600" cy="5161009"/>
           </a:xfrm>
           <a:prstGeom prst="rect">
             <a:avLst/>
@@ -5089,35 +5099,107 @@
             </a:lvl9pPr>
           </a:lstStyle>
           <a:p>
+            <a:pPr marL="457200" indent="-457200">
+              <a:buFont typeface="+mj-lt"/>
+              <a:buAutoNum type="arabicPeriod"/>
+            </a:pPr>
+            <a:r>
+              <a:rPr lang="en-US" sz="2000" b="1" dirty="0" smtClean="0">
+                <a:latin typeface="Times New Roman" panose="02020603050405020304" pitchFamily="18" charset="0"/>
+                <a:cs typeface="Times New Roman" panose="02020603050405020304" pitchFamily="18" charset="0"/>
+              </a:rPr>
+              <a:t>Applications</a:t>
+            </a:r>
+          </a:p>
+          <a:p>
+            <a:r>
+              <a:rPr lang="en-US" sz="2000" dirty="0" smtClean="0">
+                <a:latin typeface="Times New Roman" panose="02020603050405020304" pitchFamily="18" charset="0"/>
+                <a:cs typeface="Times New Roman" panose="02020603050405020304" pitchFamily="18" charset="0"/>
+              </a:rPr>
+              <a:t>Autonomous vehicles</a:t>
+            </a:r>
+            <a:endParaRPr lang="en-US" sz="2000" dirty="0">
+              <a:latin typeface="Times New Roman" panose="02020603050405020304" pitchFamily="18" charset="0"/>
+              <a:cs typeface="Times New Roman" panose="02020603050405020304" pitchFamily="18" charset="0"/>
+            </a:endParaRPr>
+          </a:p>
+          <a:p>
             <a:r>
               <a:rPr lang="en-US" sz="2000" dirty="0">
                 <a:latin typeface="Times New Roman" panose="02020603050405020304" pitchFamily="18" charset="0"/>
                 <a:cs typeface="Times New Roman" panose="02020603050405020304" pitchFamily="18" charset="0"/>
               </a:rPr>
-              <a:t>Autonomous </a:t>
+              <a:t>Traffic </a:t>
             </a:r>
             <a:r>
               <a:rPr lang="en-US" sz="2000" dirty="0" smtClean="0">
                 <a:latin typeface="Times New Roman" panose="02020603050405020304" pitchFamily="18" charset="0"/>
                 <a:cs typeface="Times New Roman" panose="02020603050405020304" pitchFamily="18" charset="0"/>
               </a:rPr>
-              <a:t>vehicles</a:t>
-            </a:r>
-          </a:p>
-          <a:p>
+              <a:t>management</a:t>
+            </a:r>
+          </a:p>
+          <a:p>
+            <a:r>
+              <a:rPr lang="en-US" sz="2000" dirty="0">
+                <a:latin typeface="Times New Roman" panose="02020603050405020304" pitchFamily="18" charset="0"/>
+                <a:cs typeface="Times New Roman" panose="02020603050405020304" pitchFamily="18" charset="0"/>
+              </a:rPr>
+              <a:t>Cloud gaming</a:t>
+            </a:r>
+          </a:p>
+          <a:p>
+            <a:r>
+              <a:rPr lang="en-US" sz="2000" dirty="0">
+                <a:latin typeface="Times New Roman" panose="02020603050405020304" pitchFamily="18" charset="0"/>
+                <a:cs typeface="Times New Roman" panose="02020603050405020304" pitchFamily="18" charset="0"/>
+              </a:rPr>
+              <a:t>Content </a:t>
+            </a:r>
             <a:r>
               <a:rPr lang="en-US" sz="2000" dirty="0" smtClean="0">
                 <a:latin typeface="Times New Roman" panose="02020603050405020304" pitchFamily="18" charset="0"/>
                 <a:cs typeface="Times New Roman" panose="02020603050405020304" pitchFamily="18" charset="0"/>
               </a:rPr>
-              <a:t> </a:t>
-            </a:r>
+              <a:t>delivery</a:t>
+            </a:r>
+          </a:p>
+          <a:p>
             <a:r>
               <a:rPr lang="en-US" sz="2000" dirty="0">
                 <a:latin typeface="Times New Roman" panose="02020603050405020304" pitchFamily="18" charset="0"/>
                 <a:cs typeface="Times New Roman" panose="02020603050405020304" pitchFamily="18" charset="0"/>
               </a:rPr>
-              <a:t>In-hospital patient monitoring</a:t>
+              <a:t>Smart </a:t>
+            </a:r>
+            <a:r>
+              <a:rPr lang="en-US" sz="2000" dirty="0" smtClean="0">
+                <a:latin typeface="Times New Roman" panose="02020603050405020304" pitchFamily="18" charset="0"/>
+                <a:cs typeface="Times New Roman" panose="02020603050405020304" pitchFamily="18" charset="0"/>
+              </a:rPr>
+              <a:t>grid</a:t>
+            </a:r>
+          </a:p>
+          <a:p>
+            <a:pPr marL="0" indent="0">
+              <a:buNone/>
+            </a:pPr>
+            <a:endParaRPr lang="en-US" sz="2000" dirty="0">
+              <a:latin typeface="Times New Roman" panose="02020603050405020304" pitchFamily="18" charset="0"/>
+              <a:cs typeface="Times New Roman" panose="02020603050405020304" pitchFamily="18" charset="0"/>
+            </a:endParaRPr>
+          </a:p>
+          <a:p>
+            <a:pPr marL="457200" indent="-457200">
+              <a:buAutoNum type="arabicPeriod" startAt="2"/>
+            </a:pPr>
+            <a:r>
+              <a:rPr lang="en-US" sz="2000" b="1" dirty="0" smtClean="0">
+                <a:latin typeface="Times New Roman" panose="02020603050405020304" pitchFamily="18" charset="0"/>
+                <a:cs typeface="Times New Roman" panose="02020603050405020304" pitchFamily="18" charset="0"/>
+              </a:rPr>
+              <a:t>Challenges</a:t>
             </a:r>
           </a:p>
           <a:p>
@@ -5126,14 +5208,7 @@
                 <a:latin typeface="Times New Roman" panose="02020603050405020304" pitchFamily="18" charset="0"/>
                 <a:cs typeface="Times New Roman" panose="02020603050405020304" pitchFamily="18" charset="0"/>
               </a:rPr>
-              <a:t>Traffic </a:t>
-            </a:r>
-            <a:r>
-              <a:rPr lang="en-US" sz="2000" dirty="0" smtClean="0">
-                <a:latin typeface="Times New Roman" panose="02020603050405020304" pitchFamily="18" charset="0"/>
-                <a:cs typeface="Times New Roman" panose="02020603050405020304" pitchFamily="18" charset="0"/>
-              </a:rPr>
-              <a:t>management</a:t>
+              <a:t>Network bandwidth</a:t>
             </a:r>
           </a:p>
           <a:p>
@@ -5142,7 +5217,7 @@
                 <a:latin typeface="Times New Roman" panose="02020603050405020304" pitchFamily="18" charset="0"/>
                 <a:cs typeface="Times New Roman" panose="02020603050405020304" pitchFamily="18" charset="0"/>
               </a:rPr>
-              <a:t>Cloud gaming</a:t>
+              <a:t>Geolocation</a:t>
             </a:r>
           </a:p>
           <a:p>
@@ -5151,14 +5226,7 @@
                 <a:latin typeface="Times New Roman" panose="02020603050405020304" pitchFamily="18" charset="0"/>
                 <a:cs typeface="Times New Roman" panose="02020603050405020304" pitchFamily="18" charset="0"/>
               </a:rPr>
-              <a:t>Content </a:t>
-            </a:r>
-            <a:r>
-              <a:rPr lang="en-US" sz="2000" dirty="0" smtClean="0">
-                <a:latin typeface="Times New Roman" panose="02020603050405020304" pitchFamily="18" charset="0"/>
-                <a:cs typeface="Times New Roman" panose="02020603050405020304" pitchFamily="18" charset="0"/>
-              </a:rPr>
-              <a:t>delivery</a:t>
+              <a:t>Data Loss Protection and Backups</a:t>
             </a:r>
           </a:p>
           <a:p>
@@ -5167,7 +5235,7 @@
                 <a:latin typeface="Times New Roman" panose="02020603050405020304" pitchFamily="18" charset="0"/>
                 <a:cs typeface="Times New Roman" panose="02020603050405020304" pitchFamily="18" charset="0"/>
               </a:rPr>
-              <a:t>Smart grid</a:t>
+              <a:t>The edge computing framework</a:t>
             </a:r>
           </a:p>
         </p:txBody>
@@ -5360,7 +5428,7 @@
                 <a:latin typeface="Times New Roman" panose="02020603050405020304" pitchFamily="18" charset="0"/>
                 <a:cs typeface="Times New Roman" panose="02020603050405020304" pitchFamily="18" charset="0"/>
               </a:rPr>
-              <a:t>Edge computing challenges</a:t>
+              <a:t>CONCLUSION</a:t>
             </a:r>
             <a:endParaRPr lang="en-IN" sz="3200" b="1" dirty="0">
               <a:solidFill>
@@ -5374,6 +5442,161 @@
       </p:sp>
       <p:sp>
         <p:nvSpPr>
+          <p:cNvPr id="3" name="Content Placeholder 2"/>
+          <p:cNvSpPr>
+            <a:spLocks noGrp="1"/>
+          </p:cNvSpPr>
+          <p:nvPr>
+            <p:ph idx="1"/>
+          </p:nvPr>
+        </p:nvSpPr>
+        <p:spPr>
+          <a:xfrm>
+            <a:off x="1429555" y="1600200"/>
+            <a:ext cx="9749307" cy="3886200"/>
+          </a:xfrm>
+        </p:spPr>
+        <p:txBody>
+          <a:bodyPr>
+            <a:noAutofit/>
+          </a:bodyPr>
+          <a:lstStyle/>
+          <a:p>
+            <a:r>
+              <a:rPr lang="en-US" sz="2000" dirty="0">
+                <a:latin typeface="Times New Roman" panose="02020603050405020304" pitchFamily="18" charset="0"/>
+                <a:cs typeface="Times New Roman" panose="02020603050405020304" pitchFamily="18" charset="0"/>
+              </a:rPr>
+              <a:t>The adoption of cloud computing brought data analytics to a new level. The </a:t>
+            </a:r>
+            <a:r>
+              <a:rPr lang="en-US" sz="2000" dirty="0" smtClean="0">
+                <a:latin typeface="Times New Roman" panose="02020603050405020304" pitchFamily="18" charset="0"/>
+                <a:cs typeface="Times New Roman" panose="02020603050405020304" pitchFamily="18" charset="0"/>
+              </a:rPr>
+              <a:t>interconnectivity of </a:t>
+            </a:r>
+            <a:r>
+              <a:rPr lang="en-US" sz="2000" dirty="0">
+                <a:latin typeface="Times New Roman" panose="02020603050405020304" pitchFamily="18" charset="0"/>
+                <a:cs typeface="Times New Roman" panose="02020603050405020304" pitchFamily="18" charset="0"/>
+              </a:rPr>
+              <a:t>the cloud enabled a more thorough approach to capturing and </a:t>
+            </a:r>
+            <a:r>
+              <a:rPr lang="en-US" sz="2000" dirty="0" smtClean="0">
+                <a:latin typeface="Times New Roman" panose="02020603050405020304" pitchFamily="18" charset="0"/>
+                <a:cs typeface="Times New Roman" panose="02020603050405020304" pitchFamily="18" charset="0"/>
+              </a:rPr>
+              <a:t>analyzi</a:t>
+            </a:r>
+            <a:r>
+              <a:rPr lang="en-US" sz="2000" dirty="0">
+                <a:latin typeface="Times New Roman" panose="02020603050405020304" pitchFamily="18" charset="0"/>
+                <a:cs typeface="Times New Roman" panose="02020603050405020304" pitchFamily="18" charset="0"/>
+              </a:rPr>
+              <a:t>Edge computing is a viable solution for data-driven operations that require lightning-fast </a:t>
+            </a:r>
+            <a:r>
+              <a:rPr lang="en-US" sz="2000" dirty="0" smtClean="0">
+                <a:latin typeface="Times New Roman" panose="02020603050405020304" pitchFamily="18" charset="0"/>
+                <a:cs typeface="Times New Roman" panose="02020603050405020304" pitchFamily="18" charset="0"/>
+              </a:rPr>
+              <a:t>results and </a:t>
+            </a:r>
+            <a:r>
+              <a:rPr lang="en-US" sz="2000" dirty="0">
+                <a:latin typeface="Times New Roman" panose="02020603050405020304" pitchFamily="18" charset="0"/>
+                <a:cs typeface="Times New Roman" panose="02020603050405020304" pitchFamily="18" charset="0"/>
+              </a:rPr>
+              <a:t>a high level of flexibility, depending on the current state of things. The idea is to get </a:t>
+            </a:r>
+            <a:r>
+              <a:rPr lang="en-US" sz="2000" dirty="0" smtClean="0">
+                <a:latin typeface="Times New Roman" panose="02020603050405020304" pitchFamily="18" charset="0"/>
+                <a:cs typeface="Times New Roman" panose="02020603050405020304" pitchFamily="18" charset="0"/>
+              </a:rPr>
+              <a:t>closer to </a:t>
+            </a:r>
+            <a:r>
+              <a:rPr lang="en-US" sz="2000" dirty="0">
+                <a:latin typeface="Times New Roman" panose="02020603050405020304" pitchFamily="18" charset="0"/>
+                <a:cs typeface="Times New Roman" panose="02020603050405020304" pitchFamily="18" charset="0"/>
+              </a:rPr>
+              <a:t>devices to reduce the amount of data that needs to be transferred, which results in </a:t>
+            </a:r>
+            <a:r>
+              <a:rPr lang="en-US" sz="2000" dirty="0" smtClean="0">
+                <a:latin typeface="Times New Roman" panose="02020603050405020304" pitchFamily="18" charset="0"/>
+                <a:cs typeface="Times New Roman" panose="02020603050405020304" pitchFamily="18" charset="0"/>
+              </a:rPr>
+              <a:t>better response </a:t>
+            </a:r>
+            <a:r>
+              <a:rPr lang="en-US" sz="2000" dirty="0" smtClean="0">
+                <a:latin typeface="Times New Roman" panose="02020603050405020304" pitchFamily="18" charset="0"/>
+                <a:cs typeface="Times New Roman" panose="02020603050405020304" pitchFamily="18" charset="0"/>
+              </a:rPr>
+              <a:t>timing </a:t>
+            </a:r>
+            <a:r>
+              <a:rPr lang="en-US" sz="2000" dirty="0">
+                <a:latin typeface="Times New Roman" panose="02020603050405020304" pitchFamily="18" charset="0"/>
+                <a:cs typeface="Times New Roman" panose="02020603050405020304" pitchFamily="18" charset="0"/>
+              </a:rPr>
+              <a:t>data</a:t>
+            </a:r>
+            <a:r>
+              <a:rPr lang="en-US" sz="2000" dirty="0" smtClean="0">
+                <a:latin typeface="Times New Roman" panose="02020603050405020304" pitchFamily="18" charset="0"/>
+                <a:cs typeface="Times New Roman" panose="02020603050405020304" pitchFamily="18" charset="0"/>
+              </a:rPr>
+              <a:t>.</a:t>
+            </a:r>
+            <a:r>
+              <a:rPr lang="en-US" sz="2000" dirty="0">
+                <a:latin typeface="Times New Roman" panose="02020603050405020304" pitchFamily="18" charset="0"/>
+                <a:cs typeface="Times New Roman" panose="02020603050405020304" pitchFamily="18" charset="0"/>
+              </a:rPr>
+              <a:t> Edge computing is particularly relevant in the context of IIoT, where it enables </a:t>
+            </a:r>
+            <a:r>
+              <a:rPr lang="en-US" sz="2000" dirty="0" smtClean="0">
+                <a:latin typeface="Times New Roman" panose="02020603050405020304" pitchFamily="18" charset="0"/>
+                <a:cs typeface="Times New Roman" panose="02020603050405020304" pitchFamily="18" charset="0"/>
+              </a:rPr>
+              <a:t>real-time processing </a:t>
+            </a:r>
+            <a:r>
+              <a:rPr lang="en-US" sz="2000" dirty="0">
+                <a:latin typeface="Times New Roman" panose="02020603050405020304" pitchFamily="18" charset="0"/>
+                <a:cs typeface="Times New Roman" panose="02020603050405020304" pitchFamily="18" charset="0"/>
+              </a:rPr>
+              <a:t>of data from sensors and devices, enabling faster decision-making and reducing </a:t>
+            </a:r>
+            <a:r>
+              <a:rPr lang="en-US" sz="2000" dirty="0" smtClean="0">
+                <a:latin typeface="Times New Roman" panose="02020603050405020304" pitchFamily="18" charset="0"/>
+                <a:cs typeface="Times New Roman" panose="02020603050405020304" pitchFamily="18" charset="0"/>
+              </a:rPr>
+              <a:t>the need </a:t>
+            </a:r>
+            <a:r>
+              <a:rPr lang="en-US" sz="2000" dirty="0">
+                <a:latin typeface="Times New Roman" panose="02020603050405020304" pitchFamily="18" charset="0"/>
+                <a:cs typeface="Times New Roman" panose="02020603050405020304" pitchFamily="18" charset="0"/>
+              </a:rPr>
+              <a:t>for large amounts of data to be transmitted to the cloud</a:t>
+            </a:r>
+            <a:endParaRPr lang="en-IN" sz="2000" dirty="0">
+              <a:latin typeface="Times New Roman" panose="02020603050405020304" pitchFamily="18" charset="0"/>
+              <a:cs typeface="Times New Roman" panose="02020603050405020304" pitchFamily="18" charset="0"/>
+            </a:endParaRPr>
+          </a:p>
+        </p:txBody>
+      </p:sp>
+      <p:sp>
+        <p:nvSpPr>
           <p:cNvPr id="6" name="Date Placeholder 5"/>
           <p:cNvSpPr>
             <a:spLocks noGrp="1"/>
@@ -5388,10 +5611,10 @@
           <a:lstStyle/>
           <a:p>
             <a:r>
-              <a:rPr lang="en-US" smtClean="0"/>
+              <a:rPr lang="en-US" dirty="0" smtClean="0"/>
               <a:t>Dept. of CSE,RNSIT</a:t>
             </a:r>
-            <a:endParaRPr lang="en-IN"/>
+            <a:endParaRPr lang="en-IN" dirty="0"/>
           </a:p>
         </p:txBody>
       </p:sp>
@@ -5448,7 +5671,7 @@
               <a:rPr lang="en-IN" smtClean="0"/>
               <a:t>12</a:t>
             </a:fld>
-            <a:endParaRPr lang="en-IN"/>
+            <a:endParaRPr lang="en-IN" dirty="0"/>
           </a:p>
         </p:txBody>
       </p:sp>
@@ -5474,7 +5697,7 @@
           </a:bodyPr>
           <a:lstStyle/>
           <a:p>
-            <a:endParaRPr lang="en-US"/>
+            <a:endParaRPr lang="en-US" dirty="0"/>
           </a:p>
         </p:txBody>
       </p:sp>
@@ -5500,273 +5723,13 @@
           </a:bodyPr>
           <a:lstStyle/>
           <a:p>
-            <a:endParaRPr lang="en-US"/>
-          </a:p>
-        </p:txBody>
-      </p:sp>
-      <p:sp>
-        <p:nvSpPr>
-          <p:cNvPr id="10" name="Content Placeholder 2">
-            <a:extLst>
-              <a:ext uri="{FF2B5EF4-FFF2-40B4-BE49-F238E27FC236}">
-                <a16:creationId xmlns:a16="http://schemas.microsoft.com/office/drawing/2014/main" id="{EC531C54-ABF0-4008-B9B7-28186CF75252}"/>
-              </a:ext>
-            </a:extLst>
-          </p:cNvPr>
-          <p:cNvSpPr txBox="1">
-            <a:spLocks/>
-          </p:cNvSpPr>
-          <p:nvPr/>
-        </p:nvSpPr>
-        <p:spPr>
-          <a:xfrm>
-            <a:off x="990600" y="1978025"/>
-            <a:ext cx="10515600" cy="4351338"/>
-          </a:xfrm>
-          <a:prstGeom prst="rect">
-            <a:avLst/>
-          </a:prstGeom>
-        </p:spPr>
-        <p:txBody>
-          <a:bodyPr vert="horz" lIns="91440" tIns="45720" rIns="91440" bIns="45720" rtlCol="0">
-            <a:normAutofit/>
-          </a:bodyPr>
-          <a:lstStyle>
-            <a:lvl1pPr marL="228600" indent="-228600" algn="l" defTabSz="914400" rtl="0" eaLnBrk="1" latinLnBrk="0" hangingPunct="1">
-              <a:lnSpc>
-                <a:spcPct val="90000"/>
-              </a:lnSpc>
-              <a:spcBef>
-                <a:spcPts val="1000"/>
-              </a:spcBef>
-              <a:buFont typeface="Arial" panose="020B0604020202020204" pitchFamily="34" charset="0"/>
-              <a:buChar char="•"/>
-              <a:defRPr sz="2800" kern="1200">
-                <a:solidFill>
-                  <a:schemeClr val="tx1"/>
-                </a:solidFill>
-                <a:latin typeface="+mn-lt"/>
-                <a:ea typeface="+mn-ea"/>
-                <a:cs typeface="+mn-cs"/>
-              </a:defRPr>
-            </a:lvl1pPr>
-            <a:lvl2pPr marL="685800" indent="-228600" algn="l" defTabSz="914400" rtl="0" eaLnBrk="1" latinLnBrk="0" hangingPunct="1">
-              <a:lnSpc>
-                <a:spcPct val="90000"/>
-              </a:lnSpc>
-              <a:spcBef>
-                <a:spcPts val="500"/>
-              </a:spcBef>
-              <a:buFont typeface="Arial" panose="020B0604020202020204" pitchFamily="34" charset="0"/>
-              <a:buChar char="•"/>
-              <a:defRPr sz="2400" kern="1200">
-                <a:solidFill>
-                  <a:schemeClr val="tx1"/>
-                </a:solidFill>
-                <a:latin typeface="+mn-lt"/>
-                <a:ea typeface="+mn-ea"/>
-                <a:cs typeface="+mn-cs"/>
-              </a:defRPr>
-            </a:lvl2pPr>
-            <a:lvl3pPr marL="1143000" indent="-228600" algn="l" defTabSz="914400" rtl="0" eaLnBrk="1" latinLnBrk="0" hangingPunct="1">
-              <a:lnSpc>
-                <a:spcPct val="90000"/>
-              </a:lnSpc>
-              <a:spcBef>
-                <a:spcPts val="500"/>
-              </a:spcBef>
-              <a:buFont typeface="Arial" panose="020B0604020202020204" pitchFamily="34" charset="0"/>
-              <a:buChar char="•"/>
-              <a:defRPr sz="2000" kern="1200">
-                <a:solidFill>
-                  <a:schemeClr val="tx1"/>
-                </a:solidFill>
-                <a:latin typeface="+mn-lt"/>
-                <a:ea typeface="+mn-ea"/>
-                <a:cs typeface="+mn-cs"/>
-              </a:defRPr>
-            </a:lvl3pPr>
-            <a:lvl4pPr marL="1600200" indent="-228600" algn="l" defTabSz="914400" rtl="0" eaLnBrk="1" latinLnBrk="0" hangingPunct="1">
-              <a:lnSpc>
-                <a:spcPct val="90000"/>
-              </a:lnSpc>
-              <a:spcBef>
-                <a:spcPts val="500"/>
-              </a:spcBef>
-              <a:buFont typeface="Arial" panose="020B0604020202020204" pitchFamily="34" charset="0"/>
-              <a:buChar char="•"/>
-              <a:defRPr sz="1800" kern="1200">
-                <a:solidFill>
-                  <a:schemeClr val="tx1"/>
-                </a:solidFill>
-                <a:latin typeface="+mn-lt"/>
-                <a:ea typeface="+mn-ea"/>
-                <a:cs typeface="+mn-cs"/>
-              </a:defRPr>
-            </a:lvl4pPr>
-            <a:lvl5pPr marL="2057400" indent="-228600" algn="l" defTabSz="914400" rtl="0" eaLnBrk="1" latinLnBrk="0" hangingPunct="1">
-              <a:lnSpc>
-                <a:spcPct val="90000"/>
-              </a:lnSpc>
-              <a:spcBef>
-                <a:spcPts val="500"/>
-              </a:spcBef>
-              <a:buFont typeface="Arial" panose="020B0604020202020204" pitchFamily="34" charset="0"/>
-              <a:buChar char="•"/>
-              <a:defRPr sz="1800" kern="1200">
-                <a:solidFill>
-                  <a:schemeClr val="tx1"/>
-                </a:solidFill>
-                <a:latin typeface="+mn-lt"/>
-                <a:ea typeface="+mn-ea"/>
-                <a:cs typeface="+mn-cs"/>
-              </a:defRPr>
-            </a:lvl5pPr>
-            <a:lvl6pPr marL="2514600" indent="-228600" algn="l" defTabSz="914400" rtl="0" eaLnBrk="1" latinLnBrk="0" hangingPunct="1">
-              <a:lnSpc>
-                <a:spcPct val="90000"/>
-              </a:lnSpc>
-              <a:spcBef>
-                <a:spcPts val="500"/>
-              </a:spcBef>
-              <a:buFont typeface="Arial" panose="020B0604020202020204" pitchFamily="34" charset="0"/>
-              <a:buChar char="•"/>
-              <a:defRPr sz="1800" kern="1200">
-                <a:solidFill>
-                  <a:schemeClr val="tx1"/>
-                </a:solidFill>
-                <a:latin typeface="+mn-lt"/>
-                <a:ea typeface="+mn-ea"/>
-                <a:cs typeface="+mn-cs"/>
-              </a:defRPr>
-            </a:lvl6pPr>
-            <a:lvl7pPr marL="2971800" indent="-228600" algn="l" defTabSz="914400" rtl="0" eaLnBrk="1" latinLnBrk="0" hangingPunct="1">
-              <a:lnSpc>
-                <a:spcPct val="90000"/>
-              </a:lnSpc>
-              <a:spcBef>
-                <a:spcPts val="500"/>
-              </a:spcBef>
-              <a:buFont typeface="Arial" panose="020B0604020202020204" pitchFamily="34" charset="0"/>
-              <a:buChar char="•"/>
-              <a:defRPr sz="1800" kern="1200">
-                <a:solidFill>
-                  <a:schemeClr val="tx1"/>
-                </a:solidFill>
-                <a:latin typeface="+mn-lt"/>
-                <a:ea typeface="+mn-ea"/>
-                <a:cs typeface="+mn-cs"/>
-              </a:defRPr>
-            </a:lvl7pPr>
-            <a:lvl8pPr marL="3429000" indent="-228600" algn="l" defTabSz="914400" rtl="0" eaLnBrk="1" latinLnBrk="0" hangingPunct="1">
-              <a:lnSpc>
-                <a:spcPct val="90000"/>
-              </a:lnSpc>
-              <a:spcBef>
-                <a:spcPts val="500"/>
-              </a:spcBef>
-              <a:buFont typeface="Arial" panose="020B0604020202020204" pitchFamily="34" charset="0"/>
-              <a:buChar char="•"/>
-              <a:defRPr sz="1800" kern="1200">
-                <a:solidFill>
-                  <a:schemeClr val="tx1"/>
-                </a:solidFill>
-                <a:latin typeface="+mn-lt"/>
-                <a:ea typeface="+mn-ea"/>
-                <a:cs typeface="+mn-cs"/>
-              </a:defRPr>
-            </a:lvl8pPr>
-            <a:lvl9pPr marL="3886200" indent="-228600" algn="l" defTabSz="914400" rtl="0" eaLnBrk="1" latinLnBrk="0" hangingPunct="1">
-              <a:lnSpc>
-                <a:spcPct val="90000"/>
-              </a:lnSpc>
-              <a:spcBef>
-                <a:spcPts val="500"/>
-              </a:spcBef>
-              <a:buFont typeface="Arial" panose="020B0604020202020204" pitchFamily="34" charset="0"/>
-              <a:buChar char="•"/>
-              <a:defRPr sz="1800" kern="1200">
-                <a:solidFill>
-                  <a:schemeClr val="tx1"/>
-                </a:solidFill>
-                <a:latin typeface="+mn-lt"/>
-                <a:ea typeface="+mn-ea"/>
-                <a:cs typeface="+mn-cs"/>
-              </a:defRPr>
-            </a:lvl9pPr>
-          </a:lstStyle>
-          <a:p>
-            <a:r>
-              <a:rPr lang="en-US" sz="2000" dirty="0">
-                <a:latin typeface="Times New Roman" panose="02020603050405020304" pitchFamily="18" charset="0"/>
-                <a:cs typeface="Times New Roman" panose="02020603050405020304" pitchFamily="18" charset="0"/>
-              </a:rPr>
-              <a:t>Network </a:t>
-            </a:r>
-            <a:r>
-              <a:rPr lang="en-US" sz="2000" dirty="0" smtClean="0">
-                <a:latin typeface="Times New Roman" panose="02020603050405020304" pitchFamily="18" charset="0"/>
-                <a:cs typeface="Times New Roman" panose="02020603050405020304" pitchFamily="18" charset="0"/>
-              </a:rPr>
-              <a:t>bandwidth</a:t>
-            </a:r>
-          </a:p>
-          <a:p>
-            <a:r>
-              <a:rPr lang="en-US" sz="2000" dirty="0">
-                <a:latin typeface="Times New Roman" panose="02020603050405020304" pitchFamily="18" charset="0"/>
-                <a:cs typeface="Times New Roman" panose="02020603050405020304" pitchFamily="18" charset="0"/>
-              </a:rPr>
-              <a:t>Security:</a:t>
-            </a:r>
-          </a:p>
-          <a:p>
-            <a:r>
-              <a:rPr lang="en-US" sz="2000" dirty="0">
-                <a:latin typeface="Times New Roman" panose="02020603050405020304" pitchFamily="18" charset="0"/>
-                <a:cs typeface="Times New Roman" panose="02020603050405020304" pitchFamily="18" charset="0"/>
-              </a:rPr>
-              <a:t>Geolocation</a:t>
-            </a:r>
-            <a:endParaRPr lang="en-US" sz="2000" dirty="0" smtClean="0">
-              <a:latin typeface="Times New Roman" panose="02020603050405020304" pitchFamily="18" charset="0"/>
-              <a:cs typeface="Times New Roman" panose="02020603050405020304" pitchFamily="18" charset="0"/>
-            </a:endParaRPr>
-          </a:p>
-          <a:p>
-            <a:r>
-              <a:rPr lang="en-US" sz="2000" dirty="0">
-                <a:latin typeface="Times New Roman" panose="02020603050405020304" pitchFamily="18" charset="0"/>
-                <a:cs typeface="Times New Roman" panose="02020603050405020304" pitchFamily="18" charset="0"/>
-              </a:rPr>
-              <a:t>Data Loss Protection and Backups</a:t>
-            </a:r>
-          </a:p>
-          <a:p>
-            <a:r>
-              <a:rPr lang="en-US" sz="2000" dirty="0">
-                <a:latin typeface="Times New Roman" panose="02020603050405020304" pitchFamily="18" charset="0"/>
-                <a:cs typeface="Times New Roman" panose="02020603050405020304" pitchFamily="18" charset="0"/>
-              </a:rPr>
-              <a:t>The edge computing framework</a:t>
-            </a:r>
-            <a:r>
-              <a:rPr lang="en-US" sz="2000" dirty="0" smtClean="0">
-                <a:latin typeface="Times New Roman" panose="02020603050405020304" pitchFamily="18" charset="0"/>
-                <a:cs typeface="Times New Roman" panose="02020603050405020304" pitchFamily="18" charset="0"/>
-              </a:rPr>
-              <a:t>:</a:t>
-            </a:r>
-            <a:endParaRPr lang="en-US" sz="2000" dirty="0">
-              <a:latin typeface="Times New Roman" panose="02020603050405020304" pitchFamily="18" charset="0"/>
-              <a:cs typeface="Times New Roman" panose="02020603050405020304" pitchFamily="18" charset="0"/>
-            </a:endParaRPr>
-          </a:p>
-        </p:txBody>
-      </p:sp>
-      <p:sp>
-        <p:nvSpPr>
-          <p:cNvPr id="19" name="Date Placeholder 4"/>
+            <a:endParaRPr lang="en-US" dirty="0"/>
+          </a:p>
+        </p:txBody>
+      </p:sp>
+      <p:sp>
+        <p:nvSpPr>
+          <p:cNvPr id="9" name="Date Placeholder 4"/>
           <p:cNvSpPr txBox="1">
             <a:spLocks/>
           </p:cNvSpPr>
@@ -5892,7 +5855,7 @@
     </p:spTree>
     <p:extLst>
       <p:ext uri="{BB962C8B-B14F-4D97-AF65-F5344CB8AC3E}">
-        <p14:creationId xmlns:p14="http://schemas.microsoft.com/office/powerpoint/2010/main" val="2066522757"/>
+        <p14:creationId xmlns:p14="http://schemas.microsoft.com/office/powerpoint/2010/main" val="4261783360"/>
       </p:ext>
     </p:extLst>
   </p:cSld>
@@ -5936,7 +5899,12 @@
             <p:ph type="title"/>
           </p:nvPr>
         </p:nvSpPr>
-        <p:spPr/>
+        <p:spPr>
+          <a:xfrm>
+            <a:off x="838200" y="642918"/>
+            <a:ext cx="9980054" cy="644550"/>
+          </a:xfrm>
+        </p:spPr>
         <p:txBody>
           <a:bodyPr>
             <a:noAutofit/>
@@ -5952,7 +5920,7 @@
                 <a:latin typeface="Times New Roman" panose="02020603050405020304" pitchFamily="18" charset="0"/>
                 <a:cs typeface="Times New Roman" panose="02020603050405020304" pitchFamily="18" charset="0"/>
               </a:rPr>
-              <a:t>CONCLUSION</a:t>
+              <a:t>REFERENCES</a:t>
             </a:r>
             <a:endParaRPr lang="en-IN" sz="3200" b="1" dirty="0">
               <a:solidFill>
@@ -5976,8 +5944,8 @@
         </p:nvSpPr>
         <p:spPr>
           <a:xfrm>
-            <a:off x="1429555" y="1600200"/>
-            <a:ext cx="9749307" cy="3886200"/>
+            <a:off x="838199" y="1287468"/>
+            <a:ext cx="10696303" cy="5068882"/>
           </a:xfrm>
         </p:spPr>
         <p:txBody>
@@ -5986,143 +5954,208 @@
           </a:bodyPr>
           <a:lstStyle/>
           <a:p>
+            <a:pPr lvl="0" algn="just">
+              <a:buNone/>
+            </a:pPr>
             <a:r>
               <a:rPr lang="en-US" sz="2000" dirty="0">
                 <a:latin typeface="Times New Roman" panose="02020603050405020304" pitchFamily="18" charset="0"/>
                 <a:cs typeface="Times New Roman" panose="02020603050405020304" pitchFamily="18" charset="0"/>
               </a:rPr>
-              <a:t>The adoption of cloud computing brought data analytics to a new level. The interconnectivity</a:t>
-            </a:r>
-          </a:p>
-          <a:p>
+              <a:t>[1] D. Evans , “The Internet of Things How The Next Evolution of the Internet </a:t>
+            </a:r>
+            <a:r>
+              <a:rPr lang="en-US" sz="2000" dirty="0" smtClean="0">
+                <a:latin typeface="Times New Roman" panose="02020603050405020304" pitchFamily="18" charset="0"/>
+                <a:cs typeface="Times New Roman" panose="02020603050405020304" pitchFamily="18" charset="0"/>
+              </a:rPr>
+              <a:t>is Changing </a:t>
+            </a:r>
             <a:r>
               <a:rPr lang="en-US" sz="2000" dirty="0">
                 <a:latin typeface="Times New Roman" panose="02020603050405020304" pitchFamily="18" charset="0"/>
                 <a:cs typeface="Times New Roman" panose="02020603050405020304" pitchFamily="18" charset="0"/>
               </a:rPr>
-              <a:t>of the cloud enabled a more thorough approach to capturing and </a:t>
-            </a:r>
-            <a:r>
-              <a:rPr lang="en-US" sz="2000" dirty="0" err="1" smtClean="0">
-                <a:latin typeface="Times New Roman" panose="02020603050405020304" pitchFamily="18" charset="0"/>
-                <a:cs typeface="Times New Roman" panose="02020603050405020304" pitchFamily="18" charset="0"/>
-              </a:rPr>
-              <a:t>analyzi</a:t>
-            </a:r>
-            <a:r>
-              <a:rPr lang="en-US" sz="2000" dirty="0" err="1">
-                <a:latin typeface="Times New Roman" panose="02020603050405020304" pitchFamily="18" charset="0"/>
-                <a:cs typeface="Times New Roman" panose="02020603050405020304" pitchFamily="18" charset="0"/>
-              </a:rPr>
-              <a:t>Edge</a:t>
+              <a:t>Everything. Accessed: Dec. 3, 2016. [Online]. </a:t>
+            </a:r>
+            <a:endParaRPr lang="en-US" sz="2000" dirty="0" smtClean="0">
+              <a:latin typeface="Times New Roman" panose="02020603050405020304" pitchFamily="18" charset="0"/>
+              <a:cs typeface="Times New Roman" panose="02020603050405020304" pitchFamily="18" charset="0"/>
+            </a:endParaRPr>
+          </a:p>
+          <a:p>
+            <a:pPr lvl="0" algn="just">
+              <a:buNone/>
+            </a:pPr>
+            <a:r>
+              <a:rPr lang="en-US" sz="2000" dirty="0" smtClean="0">
+                <a:latin typeface="Times New Roman" panose="02020603050405020304" pitchFamily="18" charset="0"/>
+                <a:cs typeface="Times New Roman" panose="02020603050405020304" pitchFamily="18" charset="0"/>
+              </a:rPr>
+              <a:t>[</a:t>
             </a:r>
             <a:r>
               <a:rPr lang="en-US" sz="2000" dirty="0">
                 <a:latin typeface="Times New Roman" panose="02020603050405020304" pitchFamily="18" charset="0"/>
                 <a:cs typeface="Times New Roman" panose="02020603050405020304" pitchFamily="18" charset="0"/>
               </a:rPr>
-              <a:t> computing is a viable solution for data-driven operations that require lightning-fast results</a:t>
-            </a:r>
-          </a:p>
-          <a:p>
+              <a:t>2] M. Satyanarayanan, “The emergence of edge computing,” Computer, vol. 50, no. 1, </a:t>
+            </a:r>
+            <a:r>
+              <a:rPr lang="en-US" sz="2000" dirty="0" smtClean="0">
+                <a:latin typeface="Times New Roman" panose="02020603050405020304" pitchFamily="18" charset="0"/>
+                <a:cs typeface="Times New Roman" panose="02020603050405020304" pitchFamily="18" charset="0"/>
+              </a:rPr>
+              <a:t>pp.3039</a:t>
+            </a:r>
             <a:r>
               <a:rPr lang="en-US" sz="2000" dirty="0">
                 <a:latin typeface="Times New Roman" panose="02020603050405020304" pitchFamily="18" charset="0"/>
                 <a:cs typeface="Times New Roman" panose="02020603050405020304" pitchFamily="18" charset="0"/>
               </a:rPr>
-              <a:t>and a high level of flexibility, depending on the current state of things. The idea is to get closer</a:t>
-            </a:r>
-          </a:p>
-          <a:p>
-            <a:r>
-              <a:rPr lang="en-US" sz="2000" dirty="0">
-                <a:latin typeface="Times New Roman" panose="02020603050405020304" pitchFamily="18" charset="0"/>
-                <a:cs typeface="Times New Roman" panose="02020603050405020304" pitchFamily="18" charset="0"/>
-              </a:rPr>
-              <a:t>to devices to reduce the amount of data that needs to be transferred, which results in better</a:t>
-            </a:r>
-          </a:p>
-          <a:p>
-            <a:r>
-              <a:rPr lang="en-US" sz="2000" dirty="0">
-                <a:latin typeface="Times New Roman" panose="02020603050405020304" pitchFamily="18" charset="0"/>
-                <a:cs typeface="Times New Roman" panose="02020603050405020304" pitchFamily="18" charset="0"/>
-              </a:rPr>
-              <a:t>response </a:t>
-            </a:r>
-            <a:r>
-              <a:rPr lang="en-US" sz="2000" dirty="0" err="1">
-                <a:latin typeface="Times New Roman" panose="02020603050405020304" pitchFamily="18" charset="0"/>
-                <a:cs typeface="Times New Roman" panose="02020603050405020304" pitchFamily="18" charset="0"/>
-              </a:rPr>
-              <a:t>time</a:t>
-            </a:r>
-            <a:r>
-              <a:rPr lang="en-US" sz="2000" dirty="0" err="1" smtClean="0">
-                <a:latin typeface="Times New Roman" panose="02020603050405020304" pitchFamily="18" charset="0"/>
-                <a:cs typeface="Times New Roman" panose="02020603050405020304" pitchFamily="18" charset="0"/>
-              </a:rPr>
-              <a:t>ng</a:t>
+              <a:t>, Jan. 2017</a:t>
             </a:r>
             <a:r>
               <a:rPr lang="en-US" sz="2000" dirty="0" smtClean="0">
                 <a:latin typeface="Times New Roman" panose="02020603050405020304" pitchFamily="18" charset="0"/>
                 <a:cs typeface="Times New Roman" panose="02020603050405020304" pitchFamily="18" charset="0"/>
               </a:rPr>
-              <a:t> </a:t>
-            </a:r>
-            <a:r>
-              <a:rPr lang="en-US" sz="2000" dirty="0">
-                <a:latin typeface="Times New Roman" panose="02020603050405020304" pitchFamily="18" charset="0"/>
-                <a:cs typeface="Times New Roman" panose="02020603050405020304" pitchFamily="18" charset="0"/>
-              </a:rPr>
-              <a:t>data</a:t>
-            </a:r>
-            <a:r>
-              <a:rPr lang="en-US" sz="2000" dirty="0" smtClean="0">
-                <a:latin typeface="Times New Roman" panose="02020603050405020304" pitchFamily="18" charset="0"/>
-                <a:cs typeface="Times New Roman" panose="02020603050405020304" pitchFamily="18" charset="0"/>
-              </a:rPr>
               <a:t>.</a:t>
             </a:r>
-            <a:r>
-              <a:rPr lang="en-US" sz="2000" dirty="0">
-                <a:latin typeface="Times New Roman" panose="02020603050405020304" pitchFamily="18" charset="0"/>
-                <a:cs typeface="Times New Roman" panose="02020603050405020304" pitchFamily="18" charset="0"/>
-              </a:rPr>
-              <a:t> Edge computing is particularly relevant in the context of </a:t>
-            </a:r>
-            <a:r>
-              <a:rPr lang="en-US" sz="2000" dirty="0" err="1">
-                <a:latin typeface="Times New Roman" panose="02020603050405020304" pitchFamily="18" charset="0"/>
-                <a:cs typeface="Times New Roman" panose="02020603050405020304" pitchFamily="18" charset="0"/>
-              </a:rPr>
-              <a:t>IIoT</a:t>
-            </a:r>
-            <a:r>
-              <a:rPr lang="en-US" sz="2000" dirty="0">
-                <a:latin typeface="Times New Roman" panose="02020603050405020304" pitchFamily="18" charset="0"/>
-                <a:cs typeface="Times New Roman" panose="02020603050405020304" pitchFamily="18" charset="0"/>
-              </a:rPr>
-              <a:t>, where it enables real-time</a:t>
-            </a:r>
-          </a:p>
-          <a:p>
-            <a:r>
-              <a:rPr lang="en-US" sz="2000" dirty="0">
-                <a:latin typeface="Times New Roman" panose="02020603050405020304" pitchFamily="18" charset="0"/>
-                <a:cs typeface="Times New Roman" panose="02020603050405020304" pitchFamily="18" charset="0"/>
-              </a:rPr>
-              <a:t>processing of data from sensors and devices, enabling faster decision-making and reducing the</a:t>
-            </a:r>
-          </a:p>
-          <a:p>
-            <a:r>
-              <a:rPr lang="en-US" sz="2000" dirty="0">
-                <a:latin typeface="Times New Roman" panose="02020603050405020304" pitchFamily="18" charset="0"/>
-                <a:cs typeface="Times New Roman" panose="02020603050405020304" pitchFamily="18" charset="0"/>
-              </a:rPr>
-              <a:t>need for large amounts of data to be transmitted to the cloud</a:t>
+          </a:p>
+          <a:p>
+            <a:pPr lvl="0" algn="just">
+              <a:buNone/>
+            </a:pPr>
+            <a:r>
+              <a:rPr lang="en-IN" sz="2000" dirty="0">
+                <a:latin typeface="Times New Roman" panose="02020603050405020304" pitchFamily="18" charset="0"/>
+                <a:cs typeface="Times New Roman" panose="02020603050405020304" pitchFamily="18" charset="0"/>
+              </a:rPr>
+              <a:t>[3] W. Shi, H. Sun, J. Cao, Q. Zhang, and W. Liu, “Edge computing-an emerging </a:t>
+            </a:r>
+            <a:r>
+              <a:rPr lang="en-IN" sz="2000" dirty="0" smtClean="0">
+                <a:latin typeface="Times New Roman" panose="02020603050405020304" pitchFamily="18" charset="0"/>
+                <a:cs typeface="Times New Roman" panose="02020603050405020304" pitchFamily="18" charset="0"/>
+              </a:rPr>
+              <a:t>computing model </a:t>
+            </a:r>
+            <a:r>
+              <a:rPr lang="en-IN" sz="2000" dirty="0">
+                <a:latin typeface="Times New Roman" panose="02020603050405020304" pitchFamily="18" charset="0"/>
+                <a:cs typeface="Times New Roman" panose="02020603050405020304" pitchFamily="18" charset="0"/>
+              </a:rPr>
+              <a:t>for the Internet of everything era,” J. Comput. Res. Develop., vol. 54, no. 5, </a:t>
+            </a:r>
+            <a:r>
+              <a:rPr lang="en-IN" sz="2000" dirty="0" smtClean="0">
+                <a:latin typeface="Times New Roman" panose="02020603050405020304" pitchFamily="18" charset="0"/>
+                <a:cs typeface="Times New Roman" panose="02020603050405020304" pitchFamily="18" charset="0"/>
+              </a:rPr>
+              <a:t>pp. 907924</a:t>
+            </a:r>
+            <a:r>
+              <a:rPr lang="en-IN" sz="2000" dirty="0">
+                <a:latin typeface="Times New Roman" panose="02020603050405020304" pitchFamily="18" charset="0"/>
+                <a:cs typeface="Times New Roman" panose="02020603050405020304" pitchFamily="18" charset="0"/>
+              </a:rPr>
+              <a:t>, May 2017.</a:t>
+            </a:r>
+          </a:p>
+          <a:p>
+            <a:pPr lvl="0" algn="just">
+              <a:buNone/>
+            </a:pPr>
+            <a:r>
+              <a:rPr lang="en-IN" sz="2000" dirty="0">
+                <a:latin typeface="Times New Roman" panose="02020603050405020304" pitchFamily="18" charset="0"/>
+                <a:cs typeface="Times New Roman" panose="02020603050405020304" pitchFamily="18" charset="0"/>
+              </a:rPr>
+              <a:t>[4] W. S. Shi, X. Z. Zhang, and Y. F.Wang, “Edge computing: State-of-the-art and </a:t>
+            </a:r>
+            <a:r>
+              <a:rPr lang="en-IN" sz="2000" dirty="0" smtClean="0">
+                <a:latin typeface="Times New Roman" panose="02020603050405020304" pitchFamily="18" charset="0"/>
+                <a:cs typeface="Times New Roman" panose="02020603050405020304" pitchFamily="18" charset="0"/>
+              </a:rPr>
+              <a:t>future directions</a:t>
+            </a:r>
+            <a:r>
+              <a:rPr lang="en-IN" sz="2000" dirty="0">
+                <a:latin typeface="Times New Roman" panose="02020603050405020304" pitchFamily="18" charset="0"/>
+                <a:cs typeface="Times New Roman" panose="02020603050405020304" pitchFamily="18" charset="0"/>
+              </a:rPr>
+              <a:t>,” J. Comput. Res. Develop., vol. 56, no. 1, pp. 121, 2019.</a:t>
+            </a:r>
+          </a:p>
+          <a:p>
+            <a:pPr lvl="0" algn="just">
+              <a:buNone/>
+            </a:pPr>
+            <a:r>
+              <a:rPr lang="en-IN" sz="2000" dirty="0">
+                <a:latin typeface="Times New Roman" panose="02020603050405020304" pitchFamily="18" charset="0"/>
+                <a:cs typeface="Times New Roman" panose="02020603050405020304" pitchFamily="18" charset="0"/>
+              </a:rPr>
+              <a:t>[5] X. Sun and N. Ansari, “Edge IoT: Mobile edge computing for the Internet of Things</a:t>
+            </a:r>
+            <a:r>
+              <a:rPr lang="en-IN" sz="2000" dirty="0" smtClean="0">
+                <a:latin typeface="Times New Roman" panose="02020603050405020304" pitchFamily="18" charset="0"/>
+                <a:cs typeface="Times New Roman" panose="02020603050405020304" pitchFamily="18" charset="0"/>
+              </a:rPr>
+              <a:t>,”  IEEE </a:t>
+            </a:r>
+            <a:r>
+              <a:rPr lang="en-IN" sz="2000" dirty="0">
+                <a:latin typeface="Times New Roman" panose="02020603050405020304" pitchFamily="18" charset="0"/>
+                <a:cs typeface="Times New Roman" panose="02020603050405020304" pitchFamily="18" charset="0"/>
+              </a:rPr>
+              <a:t>Commun. Mag., vol. 54, no. 12, pp. 2229, Dec. 2016</a:t>
+            </a:r>
+            <a:r>
+              <a:rPr lang="en-IN" sz="2000" dirty="0" smtClean="0">
+                <a:latin typeface="Times New Roman" panose="02020603050405020304" pitchFamily="18" charset="0"/>
+                <a:cs typeface="Times New Roman" panose="02020603050405020304" pitchFamily="18" charset="0"/>
+              </a:rPr>
+              <a:t>.</a:t>
+            </a:r>
+          </a:p>
+          <a:p>
+            <a:pPr lvl="0" algn="just">
+              <a:buNone/>
+            </a:pPr>
+            <a:r>
+              <a:rPr lang="en-IN" sz="2000" dirty="0">
+                <a:latin typeface="Times New Roman" panose="02020603050405020304" pitchFamily="18" charset="0"/>
+                <a:cs typeface="Times New Roman" panose="02020603050405020304" pitchFamily="18" charset="0"/>
+              </a:rPr>
+              <a:t>[6] Baker SB, Xiang W, Atkinson I. Internet of Things for Smart Healthcare: Technologies,</a:t>
+            </a:r>
+          </a:p>
+          <a:p>
+            <a:pPr lvl="0" algn="just">
+              <a:buNone/>
+            </a:pPr>
+            <a:r>
+              <a:rPr lang="en-IN" sz="2000" dirty="0">
+                <a:latin typeface="Times New Roman" panose="02020603050405020304" pitchFamily="18" charset="0"/>
+                <a:cs typeface="Times New Roman" panose="02020603050405020304" pitchFamily="18" charset="0"/>
+              </a:rPr>
+              <a:t>Challenges, and Opportunities. IEEE Access 2017; 5: 26521-26544. doi: 10.1109/ACCESS.</a:t>
+            </a:r>
+          </a:p>
+          <a:p>
+            <a:pPr lvl="0" algn="just">
+              <a:buNone/>
+            </a:pPr>
+            <a:r>
+              <a:rPr lang="en-IN" sz="2000" dirty="0" smtClean="0">
+                <a:latin typeface="Times New Roman" panose="02020603050405020304" pitchFamily="18" charset="0"/>
+                <a:cs typeface="Times New Roman" panose="02020603050405020304" pitchFamily="18" charset="0"/>
+              </a:rPr>
+              <a:t>2017.2775180</a:t>
             </a:r>
             <a:endParaRPr lang="en-IN" sz="2000" dirty="0">
               <a:latin typeface="Times New Roman" panose="02020603050405020304" pitchFamily="18" charset="0"/>
@@ -6147,10 +6180,10 @@
           <a:lstStyle/>
           <a:p>
             <a:r>
-              <a:rPr lang="en-US" smtClean="0"/>
+              <a:rPr lang="en-US" dirty="0" smtClean="0"/>
               <a:t>Dept. of CSE,RNSIT</a:t>
             </a:r>
-            <a:endParaRPr lang="en-IN"/>
+            <a:endParaRPr lang="en-IN" dirty="0"/>
           </a:p>
         </p:txBody>
       </p:sp>
@@ -6207,65 +6240,13 @@
               <a:rPr lang="en-IN" smtClean="0"/>
               <a:t>13</a:t>
             </a:fld>
-            <a:endParaRPr lang="en-IN"/>
-          </a:p>
-        </p:txBody>
-      </p:sp>
-      <p:sp>
-        <p:nvSpPr>
-          <p:cNvPr id="4" name="Text Box 3"/>
-          <p:cNvSpPr txBox="1"/>
-          <p:nvPr/>
-        </p:nvSpPr>
-        <p:spPr>
-          <a:xfrm>
-            <a:off x="1583690" y="8821420"/>
-            <a:ext cx="309880" cy="368300"/>
-          </a:xfrm>
-          <a:prstGeom prst="rect">
-            <a:avLst/>
-          </a:prstGeom>
-          <a:noFill/>
-        </p:spPr>
-        <p:txBody>
-          <a:bodyPr wrap="none" rtlCol="0">
-            <a:spAutoFit/>
-          </a:bodyPr>
-          <a:lstStyle/>
-          <a:p>
-            <a:endParaRPr lang="en-US"/>
-          </a:p>
-        </p:txBody>
-      </p:sp>
-      <p:sp>
-        <p:nvSpPr>
-          <p:cNvPr id="8" name="Text Box 7"/>
-          <p:cNvSpPr txBox="1"/>
-          <p:nvPr/>
-        </p:nvSpPr>
-        <p:spPr>
-          <a:xfrm>
-            <a:off x="1583690" y="9987280"/>
-            <a:ext cx="309880" cy="368300"/>
-          </a:xfrm>
-          <a:prstGeom prst="rect">
-            <a:avLst/>
-          </a:prstGeom>
-          <a:noFill/>
-        </p:spPr>
-        <p:txBody>
-          <a:bodyPr wrap="none" rtlCol="0">
-            <a:spAutoFit/>
-          </a:bodyPr>
-          <a:lstStyle/>
-          <a:p>
-            <a:endParaRPr lang="en-US"/>
-          </a:p>
-        </p:txBody>
-      </p:sp>
-      <p:sp>
-        <p:nvSpPr>
-          <p:cNvPr id="9" name="Date Placeholder 4"/>
+            <a:endParaRPr lang="en-IN" dirty="0"/>
+          </a:p>
+        </p:txBody>
+      </p:sp>
+      <p:sp>
+        <p:nvSpPr>
+          <p:cNvPr id="8" name="Date Placeholder 4"/>
           <p:cNvSpPr txBox="1">
             <a:spLocks/>
           </p:cNvSpPr>
@@ -6389,11 +6370,6 @@
         </p:txBody>
       </p:sp>
     </p:spTree>
-    <p:extLst>
-      <p:ext uri="{BB962C8B-B14F-4D97-AF65-F5344CB8AC3E}">
-        <p14:creationId xmlns:p14="http://schemas.microsoft.com/office/powerpoint/2010/main" val="4261783360"/>
-      </p:ext>
-    </p:extLst>
   </p:cSld>
   <p:clrMapOvr>
     <a:masterClrMapping/>
@@ -6427,40 +6403,34 @@
       </p:grpSpPr>
       <p:sp>
         <p:nvSpPr>
-          <p:cNvPr id="2" name="Title 1"/>
-          <p:cNvSpPr>
-            <a:spLocks noGrp="1"/>
-          </p:cNvSpPr>
-          <p:nvPr>
-            <p:ph type="title"/>
-          </p:nvPr>
-        </p:nvSpPr>
-        <p:spPr>
-          <a:xfrm>
-            <a:off x="838200" y="642918"/>
-            <a:ext cx="9980054" cy="644550"/>
-          </a:xfrm>
-        </p:spPr>
+          <p:cNvPr id="7" name="Title 6"/>
+          <p:cNvSpPr>
+            <a:spLocks noGrp="1"/>
+          </p:cNvSpPr>
+          <p:nvPr>
+            <p:ph type="ctrTitle"/>
+          </p:nvPr>
+        </p:nvSpPr>
+        <p:spPr/>
         <p:txBody>
           <a:bodyPr>
-            <a:noAutofit/>
+            <a:normAutofit/>
           </a:bodyPr>
           <a:lstStyle/>
           <a:p>
-            <a:pPr algn="ctr"/>
-            <a:r>
-              <a:rPr lang="en-US" sz="3200" b="1" dirty="0">
-                <a:solidFill>
-                  <a:srgbClr val="C00000"/>
-                </a:solidFill>
-                <a:latin typeface="Times New Roman" panose="02020603050405020304" pitchFamily="18" charset="0"/>
-                <a:cs typeface="Times New Roman" panose="02020603050405020304" pitchFamily="18" charset="0"/>
-              </a:rPr>
-              <a:t>REFERENCES</a:t>
-            </a:r>
-            <a:endParaRPr lang="en-IN" sz="3200" b="1" dirty="0">
+            <a:r>
+              <a:rPr lang="en-US" dirty="0" smtClean="0">
+                <a:solidFill>
+                  <a:srgbClr val="0070C0"/>
+                </a:solidFill>
+                <a:latin typeface="Times New Roman" panose="02020603050405020304" pitchFamily="18" charset="0"/>
+                <a:cs typeface="Times New Roman" panose="02020603050405020304" pitchFamily="18" charset="0"/>
+              </a:rPr>
+              <a:t>SUGGESTIONS….!</a:t>
+            </a:r>
+            <a:endParaRPr lang="en-US" dirty="0">
               <a:solidFill>
-                <a:srgbClr val="C00000"/>
+                <a:srgbClr val="0070C0"/>
               </a:solidFill>
               <a:latin typeface="Times New Roman" panose="02020603050405020304" pitchFamily="18" charset="0"/>
               <a:cs typeface="Times New Roman" panose="02020603050405020304" pitchFamily="18" charset="0"/>
@@ -6470,316 +6440,7 @@
       </p:sp>
       <p:sp>
         <p:nvSpPr>
-          <p:cNvPr id="3" name="Content Placeholder 2"/>
-          <p:cNvSpPr>
-            <a:spLocks noGrp="1"/>
-          </p:cNvSpPr>
-          <p:nvPr>
-            <p:ph idx="1"/>
-          </p:nvPr>
-        </p:nvSpPr>
-        <p:spPr>
-          <a:xfrm>
-            <a:off x="838199" y="1287468"/>
-            <a:ext cx="10696303" cy="5068882"/>
-          </a:xfrm>
-        </p:spPr>
-        <p:txBody>
-          <a:bodyPr>
-            <a:noAutofit/>
-          </a:bodyPr>
-          <a:lstStyle/>
-          <a:p>
-            <a:pPr lvl="0" algn="just">
-              <a:buNone/>
-            </a:pPr>
-            <a:r>
-              <a:rPr lang="en-US" sz="2000" dirty="0">
-                <a:latin typeface="Times New Roman" panose="02020603050405020304" pitchFamily="18" charset="0"/>
-                <a:cs typeface="Times New Roman" panose="02020603050405020304" pitchFamily="18" charset="0"/>
-              </a:rPr>
-              <a:t>[1] D. Evans , “The Internet of Things How The Next Evolution of the Internet </a:t>
-            </a:r>
-            <a:r>
-              <a:rPr lang="en-US" sz="2000" dirty="0" smtClean="0">
-                <a:latin typeface="Times New Roman" panose="02020603050405020304" pitchFamily="18" charset="0"/>
-                <a:cs typeface="Times New Roman" panose="02020603050405020304" pitchFamily="18" charset="0"/>
-              </a:rPr>
-              <a:t>is Changing </a:t>
-            </a:r>
-            <a:r>
-              <a:rPr lang="en-US" sz="2000" dirty="0">
-                <a:latin typeface="Times New Roman" panose="02020603050405020304" pitchFamily="18" charset="0"/>
-                <a:cs typeface="Times New Roman" panose="02020603050405020304" pitchFamily="18" charset="0"/>
-              </a:rPr>
-              <a:t>Everything. Accessed: Dec. 3, 2016. [Online]. </a:t>
-            </a:r>
-            <a:endParaRPr lang="en-US" sz="2000" dirty="0" smtClean="0">
-              <a:latin typeface="Times New Roman" panose="02020603050405020304" pitchFamily="18" charset="0"/>
-              <a:cs typeface="Times New Roman" panose="02020603050405020304" pitchFamily="18" charset="0"/>
-            </a:endParaRPr>
-          </a:p>
-          <a:p>
-            <a:pPr lvl="0" algn="just">
-              <a:buNone/>
-            </a:pPr>
-            <a:r>
-              <a:rPr lang="en-US" sz="2000" dirty="0" smtClean="0">
-                <a:latin typeface="Times New Roman" panose="02020603050405020304" pitchFamily="18" charset="0"/>
-                <a:cs typeface="Times New Roman" panose="02020603050405020304" pitchFamily="18" charset="0"/>
-              </a:rPr>
-              <a:t>[</a:t>
-            </a:r>
-            <a:r>
-              <a:rPr lang="en-US" sz="2000" dirty="0">
-                <a:latin typeface="Times New Roman" panose="02020603050405020304" pitchFamily="18" charset="0"/>
-                <a:cs typeface="Times New Roman" panose="02020603050405020304" pitchFamily="18" charset="0"/>
-              </a:rPr>
-              <a:t>2] M. </a:t>
-            </a:r>
-            <a:r>
-              <a:rPr lang="en-US" sz="2000" dirty="0" err="1">
-                <a:latin typeface="Times New Roman" panose="02020603050405020304" pitchFamily="18" charset="0"/>
-                <a:cs typeface="Times New Roman" panose="02020603050405020304" pitchFamily="18" charset="0"/>
-              </a:rPr>
-              <a:t>Satyanarayanan</a:t>
-            </a:r>
-            <a:r>
-              <a:rPr lang="en-US" sz="2000" dirty="0">
-                <a:latin typeface="Times New Roman" panose="02020603050405020304" pitchFamily="18" charset="0"/>
-                <a:cs typeface="Times New Roman" panose="02020603050405020304" pitchFamily="18" charset="0"/>
-              </a:rPr>
-              <a:t>, “The emergence of edge computing,” Computer, vol. 50, no. 1, </a:t>
-            </a:r>
-            <a:r>
-              <a:rPr lang="en-US" sz="2000" dirty="0" smtClean="0">
-                <a:latin typeface="Times New Roman" panose="02020603050405020304" pitchFamily="18" charset="0"/>
-                <a:cs typeface="Times New Roman" panose="02020603050405020304" pitchFamily="18" charset="0"/>
-              </a:rPr>
-              <a:t>pp.3039</a:t>
-            </a:r>
-            <a:r>
-              <a:rPr lang="en-US" sz="2000" dirty="0">
-                <a:latin typeface="Times New Roman" panose="02020603050405020304" pitchFamily="18" charset="0"/>
-                <a:cs typeface="Times New Roman" panose="02020603050405020304" pitchFamily="18" charset="0"/>
-              </a:rPr>
-              <a:t>, Jan. 2017</a:t>
-            </a:r>
-            <a:r>
-              <a:rPr lang="en-US" sz="2000" dirty="0" smtClean="0">
-                <a:latin typeface="Times New Roman" panose="02020603050405020304" pitchFamily="18" charset="0"/>
-                <a:cs typeface="Times New Roman" panose="02020603050405020304" pitchFamily="18" charset="0"/>
-              </a:rPr>
-              <a:t>.</a:t>
-            </a:r>
-          </a:p>
-          <a:p>
-            <a:pPr lvl="0" algn="just">
-              <a:buNone/>
-            </a:pPr>
-            <a:r>
-              <a:rPr lang="en-IN" sz="2000" dirty="0">
-                <a:latin typeface="Times New Roman" panose="02020603050405020304" pitchFamily="18" charset="0"/>
-                <a:cs typeface="Times New Roman" panose="02020603050405020304" pitchFamily="18" charset="0"/>
-              </a:rPr>
-              <a:t>[3] W. Shi, H. Sun, J. Cao, Q. Zhang, and W. Liu, “Edge computing-an emerging </a:t>
-            </a:r>
-            <a:r>
-              <a:rPr lang="en-IN" sz="2000" dirty="0" smtClean="0">
-                <a:latin typeface="Times New Roman" panose="02020603050405020304" pitchFamily="18" charset="0"/>
-                <a:cs typeface="Times New Roman" panose="02020603050405020304" pitchFamily="18" charset="0"/>
-              </a:rPr>
-              <a:t>computing model </a:t>
-            </a:r>
-            <a:r>
-              <a:rPr lang="en-IN" sz="2000" dirty="0">
-                <a:latin typeface="Times New Roman" panose="02020603050405020304" pitchFamily="18" charset="0"/>
-                <a:cs typeface="Times New Roman" panose="02020603050405020304" pitchFamily="18" charset="0"/>
-              </a:rPr>
-              <a:t>for the Internet of everything era,” J. </a:t>
-            </a:r>
-            <a:r>
-              <a:rPr lang="en-IN" sz="2000" dirty="0" err="1">
-                <a:latin typeface="Times New Roman" panose="02020603050405020304" pitchFamily="18" charset="0"/>
-                <a:cs typeface="Times New Roman" panose="02020603050405020304" pitchFamily="18" charset="0"/>
-              </a:rPr>
-              <a:t>Comput</a:t>
-            </a:r>
-            <a:r>
-              <a:rPr lang="en-IN" sz="2000" dirty="0">
-                <a:latin typeface="Times New Roman" panose="02020603050405020304" pitchFamily="18" charset="0"/>
-                <a:cs typeface="Times New Roman" panose="02020603050405020304" pitchFamily="18" charset="0"/>
-              </a:rPr>
-              <a:t>. Res. Develop., vol. 54, no. 5, </a:t>
-            </a:r>
-            <a:r>
-              <a:rPr lang="en-IN" sz="2000" dirty="0" smtClean="0">
-                <a:latin typeface="Times New Roman" panose="02020603050405020304" pitchFamily="18" charset="0"/>
-                <a:cs typeface="Times New Roman" panose="02020603050405020304" pitchFamily="18" charset="0"/>
-              </a:rPr>
-              <a:t>pp. 907924</a:t>
-            </a:r>
-            <a:r>
-              <a:rPr lang="en-IN" sz="2000" dirty="0">
-                <a:latin typeface="Times New Roman" panose="02020603050405020304" pitchFamily="18" charset="0"/>
-                <a:cs typeface="Times New Roman" panose="02020603050405020304" pitchFamily="18" charset="0"/>
-              </a:rPr>
-              <a:t>, May 2017.</a:t>
-            </a:r>
-          </a:p>
-          <a:p>
-            <a:pPr lvl="0" algn="just">
-              <a:buNone/>
-            </a:pPr>
-            <a:r>
-              <a:rPr lang="en-IN" sz="2000" dirty="0">
-                <a:latin typeface="Times New Roman" panose="02020603050405020304" pitchFamily="18" charset="0"/>
-                <a:cs typeface="Times New Roman" panose="02020603050405020304" pitchFamily="18" charset="0"/>
-              </a:rPr>
-              <a:t>[4] W. S. Shi, X. Z. Zhang, and Y. </a:t>
-            </a:r>
-            <a:r>
-              <a:rPr lang="en-IN" sz="2000" dirty="0" err="1">
-                <a:latin typeface="Times New Roman" panose="02020603050405020304" pitchFamily="18" charset="0"/>
-                <a:cs typeface="Times New Roman" panose="02020603050405020304" pitchFamily="18" charset="0"/>
-              </a:rPr>
-              <a:t>F.Wang</a:t>
-            </a:r>
-            <a:r>
-              <a:rPr lang="en-IN" sz="2000" dirty="0">
-                <a:latin typeface="Times New Roman" panose="02020603050405020304" pitchFamily="18" charset="0"/>
-                <a:cs typeface="Times New Roman" panose="02020603050405020304" pitchFamily="18" charset="0"/>
-              </a:rPr>
-              <a:t>, “Edge computing: State-of-the-art and </a:t>
-            </a:r>
-            <a:r>
-              <a:rPr lang="en-IN" sz="2000" dirty="0" smtClean="0">
-                <a:latin typeface="Times New Roman" panose="02020603050405020304" pitchFamily="18" charset="0"/>
-                <a:cs typeface="Times New Roman" panose="02020603050405020304" pitchFamily="18" charset="0"/>
-              </a:rPr>
-              <a:t>future directions</a:t>
-            </a:r>
-            <a:r>
-              <a:rPr lang="en-IN" sz="2000" dirty="0">
-                <a:latin typeface="Times New Roman" panose="02020603050405020304" pitchFamily="18" charset="0"/>
-                <a:cs typeface="Times New Roman" panose="02020603050405020304" pitchFamily="18" charset="0"/>
-              </a:rPr>
-              <a:t>,” J. </a:t>
-            </a:r>
-            <a:r>
-              <a:rPr lang="en-IN" sz="2000" dirty="0" err="1">
-                <a:latin typeface="Times New Roman" panose="02020603050405020304" pitchFamily="18" charset="0"/>
-                <a:cs typeface="Times New Roman" panose="02020603050405020304" pitchFamily="18" charset="0"/>
-              </a:rPr>
-              <a:t>Comput</a:t>
-            </a:r>
-            <a:r>
-              <a:rPr lang="en-IN" sz="2000" dirty="0">
-                <a:latin typeface="Times New Roman" panose="02020603050405020304" pitchFamily="18" charset="0"/>
-                <a:cs typeface="Times New Roman" panose="02020603050405020304" pitchFamily="18" charset="0"/>
-              </a:rPr>
-              <a:t>. Res. Develop., vol. 56, no. 1, pp. 121, 2019.</a:t>
-            </a:r>
-          </a:p>
-          <a:p>
-            <a:pPr lvl="0" algn="just">
-              <a:buNone/>
-            </a:pPr>
-            <a:r>
-              <a:rPr lang="en-IN" sz="2000" dirty="0">
-                <a:latin typeface="Times New Roman" panose="02020603050405020304" pitchFamily="18" charset="0"/>
-                <a:cs typeface="Times New Roman" panose="02020603050405020304" pitchFamily="18" charset="0"/>
-              </a:rPr>
-              <a:t>[5] X. Sun and N. Ansari, “Edge IoT: Mobile edge computing for the Internet of Things</a:t>
-            </a:r>
-            <a:r>
-              <a:rPr lang="en-IN" sz="2000" dirty="0" smtClean="0">
-                <a:latin typeface="Times New Roman" panose="02020603050405020304" pitchFamily="18" charset="0"/>
-                <a:cs typeface="Times New Roman" panose="02020603050405020304" pitchFamily="18" charset="0"/>
-              </a:rPr>
-              <a:t>,”  IEEE </a:t>
-            </a:r>
-            <a:r>
-              <a:rPr lang="en-IN" sz="2000" dirty="0" err="1">
-                <a:latin typeface="Times New Roman" panose="02020603050405020304" pitchFamily="18" charset="0"/>
-                <a:cs typeface="Times New Roman" panose="02020603050405020304" pitchFamily="18" charset="0"/>
-              </a:rPr>
-              <a:t>Commun</a:t>
-            </a:r>
-            <a:r>
-              <a:rPr lang="en-IN" sz="2000" dirty="0">
-                <a:latin typeface="Times New Roman" panose="02020603050405020304" pitchFamily="18" charset="0"/>
-                <a:cs typeface="Times New Roman" panose="02020603050405020304" pitchFamily="18" charset="0"/>
-              </a:rPr>
-              <a:t>. Mag., vol. 54, no. 12, pp. 2229, Dec. 2016</a:t>
-            </a:r>
-            <a:r>
-              <a:rPr lang="en-IN" sz="2000" dirty="0" smtClean="0">
-                <a:latin typeface="Times New Roman" panose="02020603050405020304" pitchFamily="18" charset="0"/>
-                <a:cs typeface="Times New Roman" panose="02020603050405020304" pitchFamily="18" charset="0"/>
-              </a:rPr>
-              <a:t>.</a:t>
-            </a:r>
-          </a:p>
-          <a:p>
-            <a:pPr lvl="0" algn="just">
-              <a:buNone/>
-            </a:pPr>
-            <a:r>
-              <a:rPr lang="en-IN" sz="2000" dirty="0">
-                <a:latin typeface="Times New Roman" panose="02020603050405020304" pitchFamily="18" charset="0"/>
-                <a:cs typeface="Times New Roman" panose="02020603050405020304" pitchFamily="18" charset="0"/>
-              </a:rPr>
-              <a:t>[6] Baker SB, Xiang W, Atkinson I. Internet of Things for Smart Healthcare: Technologies,</a:t>
-            </a:r>
-          </a:p>
-          <a:p>
-            <a:pPr lvl="0" algn="just">
-              <a:buNone/>
-            </a:pPr>
-            <a:r>
-              <a:rPr lang="en-IN" sz="2000" dirty="0">
-                <a:latin typeface="Times New Roman" panose="02020603050405020304" pitchFamily="18" charset="0"/>
-                <a:cs typeface="Times New Roman" panose="02020603050405020304" pitchFamily="18" charset="0"/>
-              </a:rPr>
-              <a:t>Challenges, and Opportunities. IEEE Access 2017; 5: 26521-26544. </a:t>
-            </a:r>
-            <a:r>
-              <a:rPr lang="en-IN" sz="2000" dirty="0" err="1">
-                <a:latin typeface="Times New Roman" panose="02020603050405020304" pitchFamily="18" charset="0"/>
-                <a:cs typeface="Times New Roman" panose="02020603050405020304" pitchFamily="18" charset="0"/>
-              </a:rPr>
-              <a:t>doi</a:t>
-            </a:r>
-            <a:r>
-              <a:rPr lang="en-IN" sz="2000" dirty="0">
-                <a:latin typeface="Times New Roman" panose="02020603050405020304" pitchFamily="18" charset="0"/>
-                <a:cs typeface="Times New Roman" panose="02020603050405020304" pitchFamily="18" charset="0"/>
-              </a:rPr>
-              <a:t>: 10.1109/ACCESS.</a:t>
-            </a:r>
-          </a:p>
-          <a:p>
-            <a:pPr lvl="0" algn="just">
-              <a:buNone/>
-            </a:pPr>
-            <a:r>
-              <a:rPr lang="en-IN" sz="2000" dirty="0" smtClean="0">
-                <a:latin typeface="Times New Roman" panose="02020603050405020304" pitchFamily="18" charset="0"/>
-                <a:cs typeface="Times New Roman" panose="02020603050405020304" pitchFamily="18" charset="0"/>
-              </a:rPr>
-              <a:t>2017.2775180</a:t>
-            </a:r>
-            <a:endParaRPr lang="en-IN" sz="2000" dirty="0">
-              <a:latin typeface="Times New Roman" panose="02020603050405020304" pitchFamily="18" charset="0"/>
-              <a:cs typeface="Times New Roman" panose="02020603050405020304" pitchFamily="18" charset="0"/>
-            </a:endParaRPr>
-          </a:p>
-        </p:txBody>
-      </p:sp>
-      <p:sp>
-        <p:nvSpPr>
-          <p:cNvPr id="6" name="Date Placeholder 5"/>
+          <p:cNvPr id="2" name="Date Placeholder 1"/>
           <p:cNvSpPr>
             <a:spLocks noGrp="1"/>
           </p:cNvSpPr>
@@ -6793,16 +6454,16 @@
           <a:lstStyle/>
           <a:p>
             <a:r>
-              <a:rPr lang="en-US" smtClean="0"/>
+              <a:rPr lang="en-US" dirty="0" smtClean="0"/>
               <a:t>Dept. of CSE,RNSIT</a:t>
             </a:r>
-            <a:endParaRPr lang="en-IN"/>
-          </a:p>
-        </p:txBody>
-      </p:sp>
-      <p:sp>
-        <p:nvSpPr>
-          <p:cNvPr id="5" name="Footer Placeholder 4"/>
+            <a:endParaRPr lang="en-US" dirty="0"/>
+          </a:p>
+        </p:txBody>
+      </p:sp>
+      <p:sp>
+        <p:nvSpPr>
+          <p:cNvPr id="3" name="Footer Placeholder 2"/>
           <p:cNvSpPr>
             <a:spLocks noGrp="1"/>
           </p:cNvSpPr>
@@ -6825,7 +6486,7 @@
             </a:r>
             <a:r>
               <a:rPr lang="en-IN" dirty="0"/>
-              <a:t> - 2</a:t>
+              <a:t>- 2</a:t>
             </a:r>
             <a:r>
               <a:rPr lang="en-US" altLang="en-IN" dirty="0"/>
@@ -6836,7 +6497,7 @@
       </p:sp>
       <p:sp>
         <p:nvSpPr>
-          <p:cNvPr id="7" name="Slide Number Placeholder 6"/>
+          <p:cNvPr id="4" name="Slide Number Placeholder 3"/>
           <p:cNvSpPr>
             <a:spLocks noGrp="1"/>
           </p:cNvSpPr>
@@ -6849,136 +6510,11 @@
           <a:bodyPr/>
           <a:lstStyle/>
           <a:p>
-            <a:fld id="{8D76E3B0-E7CB-4A4B-BFAB-903D23419947}" type="slidenum">
-              <a:rPr lang="en-IN" smtClean="0"/>
+            <a:fld id="{4C442D41-FF4A-46A6-A5B6-D9D1BC6ADE1D}" type="slidenum">
+              <a:rPr lang="en-US" smtClean="0"/>
               <a:t>14</a:t>
             </a:fld>
-            <a:endParaRPr lang="en-IN"/>
-          </a:p>
-        </p:txBody>
-      </p:sp>
-      <p:sp>
-        <p:nvSpPr>
-          <p:cNvPr id="8" name="Date Placeholder 4"/>
-          <p:cNvSpPr txBox="1">
-            <a:spLocks/>
-          </p:cNvSpPr>
-          <p:nvPr/>
-        </p:nvSpPr>
-        <p:spPr>
-          <a:xfrm>
-            <a:off x="838200" y="149387"/>
-            <a:ext cx="2743200" cy="365125"/>
-          </a:xfrm>
-          <a:prstGeom prst="rect">
-            <a:avLst/>
-          </a:prstGeom>
-        </p:spPr>
-        <p:txBody>
-          <a:bodyPr vert="horz" lIns="91440" tIns="45720" rIns="91440" bIns="45720" rtlCol="0" anchor="ctr"/>
-          <a:lstStyle>
-            <a:defPPr>
-              <a:defRPr lang="en-US"/>
-            </a:defPPr>
-            <a:lvl1pPr marL="0" algn="l" defTabSz="914400" rtl="0" eaLnBrk="1" latinLnBrk="0" hangingPunct="1">
-              <a:defRPr sz="1200" kern="1200">
-                <a:solidFill>
-                  <a:schemeClr val="tx1">
-                    <a:tint val="75000"/>
-                  </a:schemeClr>
-                </a:solidFill>
-                <a:latin typeface="+mn-lt"/>
-                <a:ea typeface="+mn-ea"/>
-                <a:cs typeface="+mn-cs"/>
-              </a:defRPr>
-            </a:lvl1pPr>
-            <a:lvl2pPr marL="457200" algn="l" defTabSz="914400" rtl="0" eaLnBrk="1" latinLnBrk="0" hangingPunct="1">
-              <a:defRPr sz="1800" kern="1200">
-                <a:solidFill>
-                  <a:schemeClr val="tx1"/>
-                </a:solidFill>
-                <a:latin typeface="+mn-lt"/>
-                <a:ea typeface="+mn-ea"/>
-                <a:cs typeface="+mn-cs"/>
-              </a:defRPr>
-            </a:lvl2pPr>
-            <a:lvl3pPr marL="914400" algn="l" defTabSz="914400" rtl="0" eaLnBrk="1" latinLnBrk="0" hangingPunct="1">
-              <a:defRPr sz="1800" kern="1200">
-                <a:solidFill>
-                  <a:schemeClr val="tx1"/>
-                </a:solidFill>
-                <a:latin typeface="+mn-lt"/>
-                <a:ea typeface="+mn-ea"/>
-                <a:cs typeface="+mn-cs"/>
-              </a:defRPr>
-            </a:lvl3pPr>
-            <a:lvl4pPr marL="1371600" algn="l" defTabSz="914400" rtl="0" eaLnBrk="1" latinLnBrk="0" hangingPunct="1">
-              <a:defRPr sz="1800" kern="1200">
-                <a:solidFill>
-                  <a:schemeClr val="tx1"/>
-                </a:solidFill>
-                <a:latin typeface="+mn-lt"/>
-                <a:ea typeface="+mn-ea"/>
-                <a:cs typeface="+mn-cs"/>
-              </a:defRPr>
-            </a:lvl4pPr>
-            <a:lvl5pPr marL="1828800" algn="l" defTabSz="914400" rtl="0" eaLnBrk="1" latinLnBrk="0" hangingPunct="1">
-              <a:defRPr sz="1800" kern="1200">
-                <a:solidFill>
-                  <a:schemeClr val="tx1"/>
-                </a:solidFill>
-                <a:latin typeface="+mn-lt"/>
-                <a:ea typeface="+mn-ea"/>
-                <a:cs typeface="+mn-cs"/>
-              </a:defRPr>
-            </a:lvl5pPr>
-            <a:lvl6pPr marL="2286000" algn="l" defTabSz="914400" rtl="0" eaLnBrk="1" latinLnBrk="0" hangingPunct="1">
-              <a:defRPr sz="1800" kern="1200">
-                <a:solidFill>
-                  <a:schemeClr val="tx1"/>
-                </a:solidFill>
-                <a:latin typeface="+mn-lt"/>
-                <a:ea typeface="+mn-ea"/>
-                <a:cs typeface="+mn-cs"/>
-              </a:defRPr>
-            </a:lvl6pPr>
-            <a:lvl7pPr marL="2743200" algn="l" defTabSz="914400" rtl="0" eaLnBrk="1" latinLnBrk="0" hangingPunct="1">
-              <a:defRPr sz="1800" kern="1200">
-                <a:solidFill>
-                  <a:schemeClr val="tx1"/>
-                </a:solidFill>
-                <a:latin typeface="+mn-lt"/>
-                <a:ea typeface="+mn-ea"/>
-                <a:cs typeface="+mn-cs"/>
-              </a:defRPr>
-            </a:lvl7pPr>
-            <a:lvl8pPr marL="3200400" algn="l" defTabSz="914400" rtl="0" eaLnBrk="1" latinLnBrk="0" hangingPunct="1">
-              <a:defRPr sz="1800" kern="1200">
-                <a:solidFill>
-                  <a:schemeClr val="tx1"/>
-                </a:solidFill>
-                <a:latin typeface="+mn-lt"/>
-                <a:ea typeface="+mn-ea"/>
-                <a:cs typeface="+mn-cs"/>
-              </a:defRPr>
-            </a:lvl8pPr>
-            <a:lvl9pPr marL="3657600" algn="l" defTabSz="914400" rtl="0" eaLnBrk="1" latinLnBrk="0" hangingPunct="1">
-              <a:defRPr sz="1800" kern="1200">
-                <a:solidFill>
-                  <a:schemeClr val="tx1"/>
-                </a:solidFill>
-                <a:latin typeface="+mn-lt"/>
-                <a:ea typeface="+mn-ea"/>
-                <a:cs typeface="+mn-cs"/>
-              </a:defRPr>
-            </a:lvl9pPr>
-          </a:lstStyle>
-          <a:p>
-            <a:r>
-              <a:rPr lang="en-US" dirty="0" smtClean="0"/>
-              <a:t>Edge Computing</a:t>
-            </a:r>
-            <a:endParaRPr lang="en-IN" dirty="0"/>
+            <a:endParaRPr lang="en-US" dirty="0"/>
           </a:p>
         </p:txBody>
       </p:sp>
@@ -7016,155 +6552,6 @@
       </p:grpSpPr>
       <p:sp>
         <p:nvSpPr>
-          <p:cNvPr id="7" name="Title 6"/>
-          <p:cNvSpPr>
-            <a:spLocks noGrp="1"/>
-          </p:cNvSpPr>
-          <p:nvPr>
-            <p:ph type="ctrTitle"/>
-          </p:nvPr>
-        </p:nvSpPr>
-        <p:spPr/>
-        <p:txBody>
-          <a:bodyPr>
-            <a:normAutofit/>
-          </a:bodyPr>
-          <a:lstStyle/>
-          <a:p>
-            <a:r>
-              <a:rPr lang="en-US" dirty="0" smtClean="0">
-                <a:solidFill>
-                  <a:srgbClr val="0070C0"/>
-                </a:solidFill>
-                <a:latin typeface="Times New Roman" panose="02020603050405020304" pitchFamily="18" charset="0"/>
-                <a:cs typeface="Times New Roman" panose="02020603050405020304" pitchFamily="18" charset="0"/>
-              </a:rPr>
-              <a:t>SUGGESTIONS….!</a:t>
-            </a:r>
-            <a:endParaRPr lang="en-US" dirty="0">
-              <a:solidFill>
-                <a:srgbClr val="0070C0"/>
-              </a:solidFill>
-              <a:latin typeface="Times New Roman" panose="02020603050405020304" pitchFamily="18" charset="0"/>
-              <a:cs typeface="Times New Roman" panose="02020603050405020304" pitchFamily="18" charset="0"/>
-            </a:endParaRPr>
-          </a:p>
-        </p:txBody>
-      </p:sp>
-      <p:sp>
-        <p:nvSpPr>
-          <p:cNvPr id="2" name="Date Placeholder 1"/>
-          <p:cNvSpPr>
-            <a:spLocks noGrp="1"/>
-          </p:cNvSpPr>
-          <p:nvPr>
-            <p:ph type="dt" sz="half" idx="10"/>
-          </p:nvPr>
-        </p:nvSpPr>
-        <p:spPr/>
-        <p:txBody>
-          <a:bodyPr/>
-          <a:lstStyle/>
-          <a:p>
-            <a:r>
-              <a:rPr lang="en-US" smtClean="0"/>
-              <a:t>Dept. of CSE,RNSIT</a:t>
-            </a:r>
-            <a:endParaRPr lang="en-US"/>
-          </a:p>
-        </p:txBody>
-      </p:sp>
-      <p:sp>
-        <p:nvSpPr>
-          <p:cNvPr id="3" name="Footer Placeholder 2"/>
-          <p:cNvSpPr>
-            <a:spLocks noGrp="1"/>
-          </p:cNvSpPr>
-          <p:nvPr>
-            <p:ph type="ftr" sz="quarter" idx="11"/>
-          </p:nvPr>
-        </p:nvSpPr>
-        <p:spPr/>
-        <p:txBody>
-          <a:bodyPr/>
-          <a:lstStyle/>
-          <a:p>
-            <a:r>
-              <a:rPr lang="en-IN" dirty="0"/>
-              <a:t>20</a:t>
-            </a:r>
-            <a:r>
-              <a:rPr lang="en-US" altLang="en-IN" dirty="0"/>
-              <a:t>22</a:t>
-            </a:r>
-            <a:r>
-              <a:rPr lang="en-IN" dirty="0"/>
-              <a:t>- 2</a:t>
-            </a:r>
-            <a:r>
-              <a:rPr lang="en-US" altLang="en-IN" dirty="0"/>
-              <a:t>3</a:t>
-            </a:r>
-          </a:p>
-        </p:txBody>
-      </p:sp>
-      <p:sp>
-        <p:nvSpPr>
-          <p:cNvPr id="4" name="Slide Number Placeholder 3"/>
-          <p:cNvSpPr>
-            <a:spLocks noGrp="1"/>
-          </p:cNvSpPr>
-          <p:nvPr>
-            <p:ph type="sldNum" sz="quarter" idx="12"/>
-          </p:nvPr>
-        </p:nvSpPr>
-        <p:spPr/>
-        <p:txBody>
-          <a:bodyPr/>
-          <a:lstStyle/>
-          <a:p>
-            <a:fld id="{4C442D41-FF4A-46A6-A5B6-D9D1BC6ADE1D}" type="slidenum">
-              <a:rPr lang="en-US" smtClean="0"/>
-              <a:t>15</a:t>
-            </a:fld>
-            <a:endParaRPr lang="en-US"/>
-          </a:p>
-        </p:txBody>
-      </p:sp>
-    </p:spTree>
-  </p:cSld>
-  <p:clrMapOvr>
-    <a:masterClrMapping/>
-  </p:clrMapOvr>
-  <p:timing>
-    <p:tnLst>
-      <p:par>
-        <p:cTn id="1" dur="indefinite" restart="never" nodeType="tmRoot"/>
-      </p:par>
-    </p:tnLst>
-  </p:timing>
-</p:sld>
-</file>
-
-<file path=ppt/slides/slide16.xml><?xml version="1.0" encoding="utf-8"?>
-<p:sld xmlns:a="http://schemas.openxmlformats.org/drawingml/2006/main" xmlns:r="http://schemas.openxmlformats.org/officeDocument/2006/relationships" xmlns:p="http://schemas.openxmlformats.org/presentationml/2006/main">
-  <p:cSld>
-    <p:spTree>
-      <p:nvGrpSpPr>
-        <p:cNvPr id="1" name=""/>
-        <p:cNvGrpSpPr/>
-        <p:nvPr/>
-      </p:nvGrpSpPr>
-      <p:grpSpPr>
-        <a:xfrm>
-          <a:off x="0" y="0"/>
-          <a:ext cx="0" cy="0"/>
-          <a:chOff x="0" y="0"/>
-          <a:chExt cx="0" cy="0"/>
-        </a:xfrm>
-      </p:grpSpPr>
-      <p:sp>
-        <p:nvSpPr>
           <p:cNvPr id="3" name="Content Placeholder 2"/>
           <p:cNvSpPr>
             <a:spLocks noGrp="1"/>
@@ -7297,10 +6684,10 @@
           <a:lstStyle/>
           <a:p>
             <a:r>
-              <a:rPr lang="en-US" smtClean="0"/>
+              <a:rPr lang="en-US" dirty="0" smtClean="0"/>
               <a:t>Dept. of CSE,RNSIT</a:t>
             </a:r>
-            <a:endParaRPr lang="en-IN"/>
+            <a:endParaRPr lang="en-IN" dirty="0"/>
           </a:p>
         </p:txBody>
       </p:sp>
@@ -7360,9 +6747,9 @@
           <a:p>
             <a:fld id="{8D76E3B0-E7CB-4A4B-BFAB-903D23419947}" type="slidenum">
               <a:rPr lang="en-IN" smtClean="0"/>
-              <a:t>16</a:t>
+              <a:t>15</a:t>
             </a:fld>
-            <a:endParaRPr lang="en-IN"/>
+            <a:endParaRPr lang="en-IN" dirty="0"/>
           </a:p>
         </p:txBody>
       </p:sp>
@@ -7456,6 +6843,158 @@
           </a:bodyPr>
           <a:lstStyle/>
           <a:p>
+            <a:pPr marL="231775" indent="-231775">
+              <a:buFont typeface="+mj-lt"/>
+              <a:buAutoNum type="arabicPeriod"/>
+            </a:pPr>
+            <a:r>
+              <a:rPr lang="en-US" sz="2000" dirty="0" smtClean="0">
+                <a:latin typeface="Times New Roman" panose="02020603050405020304" pitchFamily="18" charset="0"/>
+                <a:cs typeface="Times New Roman" panose="02020603050405020304" pitchFamily="18" charset="0"/>
+              </a:rPr>
+              <a:t>  INTRODUCTION</a:t>
+            </a:r>
+          </a:p>
+          <a:p>
+            <a:pPr marL="231775" indent="-231775">
+              <a:buFont typeface="+mj-lt"/>
+              <a:buAutoNum type="arabicPeriod"/>
+            </a:pPr>
+            <a:r>
+              <a:rPr lang="fr-FR" sz="2000" dirty="0" smtClean="0">
+                <a:latin typeface="Times New Roman" panose="02020603050405020304" pitchFamily="18" charset="0"/>
+                <a:cs typeface="Times New Roman" panose="02020603050405020304" pitchFamily="18" charset="0"/>
+              </a:rPr>
+              <a:t>  LITERATURE SURVEY </a:t>
+            </a:r>
+          </a:p>
+          <a:p>
+            <a:pPr marL="231775" indent="-231775" defTabSz="1227138">
+              <a:buFont typeface="+mj-lt"/>
+              <a:buAutoNum type="arabicPeriod"/>
+            </a:pPr>
+            <a:r>
+              <a:rPr lang="fr-FR" sz="2000" dirty="0" smtClean="0">
+                <a:latin typeface="Times New Roman" panose="02020603050405020304" pitchFamily="18" charset="0"/>
+                <a:cs typeface="Times New Roman" panose="02020603050405020304" pitchFamily="18" charset="0"/>
+              </a:rPr>
+              <a:t> CHAPTER 3: </a:t>
+            </a:r>
+            <a:r>
+              <a:rPr lang="fr-FR" sz="2000" dirty="0">
+                <a:latin typeface="Times New Roman" panose="02020603050405020304" pitchFamily="18" charset="0"/>
+                <a:cs typeface="Times New Roman" panose="02020603050405020304" pitchFamily="18" charset="0"/>
+              </a:rPr>
+              <a:t>Overview of </a:t>
+            </a:r>
+            <a:r>
+              <a:rPr lang="fr-FR" sz="2000" dirty="0" smtClean="0">
+                <a:latin typeface="Times New Roman" panose="02020603050405020304" pitchFamily="18" charset="0"/>
+                <a:cs typeface="Times New Roman" panose="02020603050405020304" pitchFamily="18" charset="0"/>
+              </a:rPr>
+              <a:t>Edge  Computing</a:t>
+            </a:r>
+          </a:p>
+          <a:p>
+            <a:pPr marL="231775" indent="-231775">
+              <a:buFont typeface="+mj-lt"/>
+              <a:buAutoNum type="arabicPeriod"/>
+            </a:pPr>
+            <a:r>
+              <a:rPr lang="fr-FR" sz="2000" dirty="0" smtClean="0">
+                <a:latin typeface="Times New Roman" panose="02020603050405020304" pitchFamily="18" charset="0"/>
+                <a:cs typeface="Times New Roman" panose="02020603050405020304" pitchFamily="18" charset="0"/>
+              </a:rPr>
+              <a:t> CHAPTER 4: </a:t>
+            </a:r>
+            <a:r>
+              <a:rPr lang="fr-FR" sz="2000" dirty="0">
+                <a:latin typeface="Times New Roman" panose="02020603050405020304" pitchFamily="18" charset="0"/>
+                <a:cs typeface="Times New Roman" panose="02020603050405020304" pitchFamily="18" charset="0"/>
+              </a:rPr>
+              <a:t>Edge Computing </a:t>
+            </a:r>
+            <a:r>
+              <a:rPr lang="fr-FR" sz="2000" dirty="0" smtClean="0">
+                <a:latin typeface="Times New Roman" panose="02020603050405020304" pitchFamily="18" charset="0"/>
+                <a:cs typeface="Times New Roman" panose="02020603050405020304" pitchFamily="18" charset="0"/>
+              </a:rPr>
+              <a:t>Terms  </a:t>
+            </a:r>
+          </a:p>
+          <a:p>
+            <a:pPr marL="231775" indent="-231775">
+              <a:buFont typeface="+mj-lt"/>
+              <a:buAutoNum type="arabicPeriod"/>
+            </a:pPr>
+            <a:r>
+              <a:rPr lang="fr-FR" sz="2000" dirty="0" smtClean="0">
+                <a:latin typeface="Times New Roman" panose="02020603050405020304" pitchFamily="18" charset="0"/>
+                <a:cs typeface="Times New Roman" panose="02020603050405020304" pitchFamily="18" charset="0"/>
+              </a:rPr>
+              <a:t> CHAPTER 5: </a:t>
+            </a:r>
+            <a:r>
+              <a:rPr lang="fr-FR" sz="2000" dirty="0">
+                <a:latin typeface="Times New Roman" panose="02020603050405020304" pitchFamily="18" charset="0"/>
+                <a:cs typeface="Times New Roman" panose="02020603050405020304" pitchFamily="18" charset="0"/>
+              </a:rPr>
+              <a:t>Edge Computing </a:t>
+            </a:r>
+            <a:r>
+              <a:rPr lang="fr-FR" sz="2000" dirty="0" smtClean="0">
+                <a:latin typeface="Times New Roman" panose="02020603050405020304" pitchFamily="18" charset="0"/>
+                <a:cs typeface="Times New Roman" panose="02020603050405020304" pitchFamily="18" charset="0"/>
+              </a:rPr>
+              <a:t>Methodology</a:t>
+            </a:r>
+            <a:endParaRPr lang="fr-FR" sz="2000" dirty="0">
+              <a:latin typeface="Times New Roman" panose="02020603050405020304" pitchFamily="18" charset="0"/>
+              <a:cs typeface="Times New Roman" panose="02020603050405020304" pitchFamily="18" charset="0"/>
+            </a:endParaRPr>
+          </a:p>
+          <a:p>
+            <a:pPr marL="287338" indent="-287338">
+              <a:buFont typeface="+mj-lt"/>
+              <a:buAutoNum type="arabicPeriod"/>
+            </a:pPr>
+            <a:r>
+              <a:rPr lang="fr-FR" sz="2000" dirty="0">
+                <a:latin typeface="Times New Roman" panose="02020603050405020304" pitchFamily="18" charset="0"/>
+                <a:cs typeface="Times New Roman" panose="02020603050405020304" pitchFamily="18" charset="0"/>
+              </a:rPr>
+              <a:t>CHAPTER 6</a:t>
+            </a:r>
+            <a:r>
+              <a:rPr lang="fr-FR" sz="2000" dirty="0" smtClean="0">
+                <a:latin typeface="Times New Roman" panose="02020603050405020304" pitchFamily="18" charset="0"/>
+                <a:cs typeface="Times New Roman" panose="02020603050405020304" pitchFamily="18" charset="0"/>
+              </a:rPr>
+              <a:t>: </a:t>
+            </a:r>
+            <a:r>
+              <a:rPr lang="en-US" sz="2000" dirty="0" smtClean="0">
+                <a:latin typeface="Times New Roman" panose="02020603050405020304" pitchFamily="18" charset="0"/>
+                <a:cs typeface="Times New Roman" panose="02020603050405020304" pitchFamily="18" charset="0"/>
+              </a:rPr>
+              <a:t>Applications </a:t>
+            </a:r>
+            <a:r>
+              <a:rPr lang="en-US" sz="2000" dirty="0">
+                <a:latin typeface="Times New Roman" panose="02020603050405020304" pitchFamily="18" charset="0"/>
+                <a:cs typeface="Times New Roman" panose="02020603050405020304" pitchFamily="18" charset="0"/>
+              </a:rPr>
+              <a:t>And </a:t>
+            </a:r>
+            <a:r>
+              <a:rPr lang="en-US" sz="2000" dirty="0" smtClean="0">
+                <a:latin typeface="Times New Roman" panose="02020603050405020304" pitchFamily="18" charset="0"/>
+                <a:cs typeface="Times New Roman" panose="02020603050405020304" pitchFamily="18" charset="0"/>
+              </a:rPr>
+              <a:t>Challenges</a:t>
+            </a:r>
+          </a:p>
+          <a:p>
             <a:pPr marL="457200" indent="-457200">
               <a:buFont typeface="+mj-lt"/>
               <a:buAutoNum type="arabicPeriod"/>
@@ -7465,8 +7004,38 @@
                 <a:latin typeface="Times New Roman" panose="02020603050405020304" pitchFamily="18" charset="0"/>
                 <a:cs typeface="Times New Roman" panose="02020603050405020304" pitchFamily="18" charset="0"/>
               </a:rPr>
-              <a:t>INTRODUCTION</a:t>
-            </a:r>
+              <a:t>CONCLUSION</a:t>
+            </a:r>
+          </a:p>
+          <a:p>
+            <a:pPr marL="914400" lvl="1" indent="-457200">
+              <a:buFont typeface="+mj-lt"/>
+              <a:buAutoNum type="arabicPeriod"/>
+            </a:pPr>
+            <a:r>
+              <a:rPr lang="en-US" sz="1600" dirty="0">
+                <a:latin typeface="Times New Roman" panose="02020603050405020304" pitchFamily="18" charset="0"/>
+                <a:cs typeface="Times New Roman" panose="02020603050405020304" pitchFamily="18" charset="0"/>
+              </a:rPr>
+              <a:t>Conclusion</a:t>
+            </a:r>
+          </a:p>
+          <a:p>
+            <a:pPr marL="914400" lvl="1" indent="-457200">
+              <a:buFont typeface="+mj-lt"/>
+              <a:buAutoNum type="arabicPeriod"/>
+            </a:pPr>
+            <a:r>
+              <a:rPr lang="en-US" sz="1600" dirty="0">
+                <a:latin typeface="Times New Roman" panose="02020603050405020304" pitchFamily="18" charset="0"/>
+                <a:cs typeface="Times New Roman" panose="02020603050405020304" pitchFamily="18" charset="0"/>
+              </a:rPr>
+              <a:t>Future work </a:t>
+            </a:r>
+            <a:endParaRPr lang="en-US" sz="1600" dirty="0" smtClean="0">
+              <a:latin typeface="Times New Roman" panose="02020603050405020304" pitchFamily="18" charset="0"/>
+              <a:cs typeface="Times New Roman" panose="02020603050405020304" pitchFamily="18" charset="0"/>
+            </a:endParaRPr>
           </a:p>
           <a:p>
             <a:pPr marL="457200" indent="-457200">
@@ -7474,189 +7043,10 @@
               <a:buAutoNum type="arabicPeriod"/>
             </a:pPr>
             <a:r>
-              <a:rPr lang="fr-FR" sz="2000" dirty="0" smtClean="0">
-                <a:latin typeface="Times New Roman" panose="02020603050405020304" pitchFamily="18" charset="0"/>
-                <a:cs typeface="Times New Roman" panose="02020603050405020304" pitchFamily="18" charset="0"/>
-              </a:rPr>
-              <a:t>LITERATURE </a:t>
-            </a:r>
-            <a:r>
-              <a:rPr lang="fr-FR" sz="2000" dirty="0" smtClean="0">
-                <a:latin typeface="Times New Roman" panose="02020603050405020304" pitchFamily="18" charset="0"/>
-                <a:cs typeface="Times New Roman" panose="02020603050405020304" pitchFamily="18" charset="0"/>
-              </a:rPr>
-              <a:t>SURVEY </a:t>
-            </a:r>
-          </a:p>
-          <a:p>
-            <a:pPr marL="342900" indent="-342900">
-              <a:buFont typeface="+mj-lt"/>
-              <a:buAutoNum type="arabicPeriod"/>
-            </a:pPr>
-            <a:r>
-              <a:rPr lang="fr-FR" sz="2000" dirty="0" smtClean="0">
-                <a:latin typeface="Times New Roman" panose="02020603050405020304" pitchFamily="18" charset="0"/>
-                <a:cs typeface="Times New Roman" panose="02020603050405020304" pitchFamily="18" charset="0"/>
-              </a:rPr>
-              <a:t>CHAPTER 3: </a:t>
-            </a:r>
-            <a:r>
-              <a:rPr lang="fr-FR" sz="2000" dirty="0">
-                <a:latin typeface="Times New Roman" panose="02020603050405020304" pitchFamily="18" charset="0"/>
-                <a:cs typeface="Times New Roman" panose="02020603050405020304" pitchFamily="18" charset="0"/>
-              </a:rPr>
-              <a:t>Overview of </a:t>
-            </a:r>
-            <a:r>
-              <a:rPr lang="fr-FR" sz="2000" dirty="0" smtClean="0">
-                <a:latin typeface="Times New Roman" panose="02020603050405020304" pitchFamily="18" charset="0"/>
-                <a:cs typeface="Times New Roman" panose="02020603050405020304" pitchFamily="18" charset="0"/>
-              </a:rPr>
-              <a:t>Edge  Computing</a:t>
-            </a:r>
-          </a:p>
-          <a:p>
-            <a:pPr marL="342900" indent="-342900">
-              <a:buFont typeface="+mj-lt"/>
-              <a:buAutoNum type="arabicPeriod"/>
-            </a:pPr>
-            <a:r>
-              <a:rPr lang="fr-FR" sz="2000" dirty="0" smtClean="0">
-                <a:latin typeface="Times New Roman" panose="02020603050405020304" pitchFamily="18" charset="0"/>
-                <a:cs typeface="Times New Roman" panose="02020603050405020304" pitchFamily="18" charset="0"/>
-              </a:rPr>
-              <a:t>CHAPTER </a:t>
-            </a:r>
-            <a:r>
-              <a:rPr lang="fr-FR" sz="2000" dirty="0" smtClean="0">
-                <a:latin typeface="Times New Roman" panose="02020603050405020304" pitchFamily="18" charset="0"/>
-                <a:cs typeface="Times New Roman" panose="02020603050405020304" pitchFamily="18" charset="0"/>
-              </a:rPr>
-              <a:t>4: </a:t>
-            </a:r>
-            <a:r>
-              <a:rPr lang="fr-FR" sz="2000" dirty="0">
-                <a:latin typeface="Times New Roman" panose="02020603050405020304" pitchFamily="18" charset="0"/>
-                <a:cs typeface="Times New Roman" panose="02020603050405020304" pitchFamily="18" charset="0"/>
-              </a:rPr>
-              <a:t>Edge Computing </a:t>
-            </a:r>
-            <a:r>
-              <a:rPr lang="fr-FR" sz="2000" dirty="0" smtClean="0">
-                <a:latin typeface="Times New Roman" panose="02020603050405020304" pitchFamily="18" charset="0"/>
-                <a:cs typeface="Times New Roman" panose="02020603050405020304" pitchFamily="18" charset="0"/>
-              </a:rPr>
-              <a:t>Terms</a:t>
-            </a:r>
-          </a:p>
-          <a:p>
-            <a:pPr marL="342900" indent="-342900">
-              <a:buFont typeface="+mj-lt"/>
-              <a:buAutoNum type="arabicPeriod"/>
-            </a:pPr>
-            <a:r>
-              <a:rPr lang="fr-FR" sz="2000" dirty="0">
-                <a:latin typeface="Times New Roman" panose="02020603050405020304" pitchFamily="18" charset="0"/>
-                <a:cs typeface="Times New Roman" panose="02020603050405020304" pitchFamily="18" charset="0"/>
-              </a:rPr>
-              <a:t>CHAPTER 5: Edge Computing </a:t>
-            </a:r>
-            <a:r>
-              <a:rPr lang="fr-FR" sz="2000" dirty="0" smtClean="0">
-                <a:latin typeface="Times New Roman" panose="02020603050405020304" pitchFamily="18" charset="0"/>
-                <a:cs typeface="Times New Roman" panose="02020603050405020304" pitchFamily="18" charset="0"/>
-              </a:rPr>
-              <a:t>Methodology</a:t>
-            </a:r>
-            <a:endParaRPr lang="fr-FR" sz="2000" dirty="0">
-              <a:latin typeface="Times New Roman" panose="02020603050405020304" pitchFamily="18" charset="0"/>
-              <a:cs typeface="Times New Roman" panose="02020603050405020304" pitchFamily="18" charset="0"/>
-            </a:endParaRPr>
-          </a:p>
-          <a:p>
-            <a:pPr marL="457200" indent="-457200">
-              <a:buFont typeface="+mj-lt"/>
-              <a:buAutoNum type="arabicPeriod"/>
-            </a:pPr>
-            <a:r>
               <a:rPr lang="en-US" sz="2000" dirty="0" smtClean="0">
                 <a:latin typeface="Times New Roman" panose="02020603050405020304" pitchFamily="18" charset="0"/>
                 <a:cs typeface="Times New Roman" panose="02020603050405020304" pitchFamily="18" charset="0"/>
               </a:rPr>
-              <a:t>Applications </a:t>
-            </a:r>
-            <a:r>
-              <a:rPr lang="en-US" sz="2000" dirty="0">
-                <a:latin typeface="Times New Roman" panose="02020603050405020304" pitchFamily="18" charset="0"/>
-                <a:cs typeface="Times New Roman" panose="02020603050405020304" pitchFamily="18" charset="0"/>
-              </a:rPr>
-              <a:t>And </a:t>
-            </a:r>
-            <a:r>
-              <a:rPr lang="en-US" sz="2000" dirty="0" smtClean="0">
-                <a:latin typeface="Times New Roman" panose="02020603050405020304" pitchFamily="18" charset="0"/>
-                <a:cs typeface="Times New Roman" panose="02020603050405020304" pitchFamily="18" charset="0"/>
-              </a:rPr>
-              <a:t>Challenges</a:t>
-            </a:r>
-            <a:endParaRPr lang="en-US" sz="2000" dirty="0" smtClean="0">
-              <a:latin typeface="Times New Roman" panose="02020603050405020304" pitchFamily="18" charset="0"/>
-              <a:cs typeface="Times New Roman" panose="02020603050405020304" pitchFamily="18" charset="0"/>
-            </a:endParaRPr>
-          </a:p>
-          <a:p>
-            <a:pPr marL="457200" indent="-457200">
-              <a:buFont typeface="+mj-lt"/>
-              <a:buAutoNum type="arabicPeriod"/>
-            </a:pPr>
-            <a:r>
-              <a:rPr lang="en-US" sz="2000" dirty="0" smtClean="0">
-                <a:latin typeface="Times New Roman" panose="02020603050405020304" pitchFamily="18" charset="0"/>
-                <a:cs typeface="Times New Roman" panose="02020603050405020304" pitchFamily="18" charset="0"/>
-              </a:rPr>
-              <a:t>CONCLUSION</a:t>
-            </a:r>
-          </a:p>
-          <a:p>
-            <a:pPr marL="914400" lvl="1" indent="-457200">
-              <a:buFont typeface="+mj-lt"/>
-              <a:buAutoNum type="arabicPeriod"/>
-            </a:pPr>
-            <a:r>
-              <a:rPr lang="en-US" sz="1600" dirty="0">
-                <a:latin typeface="Times New Roman" panose="02020603050405020304" pitchFamily="18" charset="0"/>
-                <a:cs typeface="Times New Roman" panose="02020603050405020304" pitchFamily="18" charset="0"/>
-              </a:rPr>
-              <a:t>Conclusion</a:t>
-            </a:r>
-          </a:p>
-          <a:p>
-            <a:pPr marL="914400" lvl="1" indent="-457200">
-              <a:buFont typeface="+mj-lt"/>
-              <a:buAutoNum type="arabicPeriod"/>
-            </a:pPr>
-            <a:r>
-              <a:rPr lang="en-US" sz="1600" dirty="0">
-                <a:latin typeface="Times New Roman" panose="02020603050405020304" pitchFamily="18" charset="0"/>
-                <a:cs typeface="Times New Roman" panose="02020603050405020304" pitchFamily="18" charset="0"/>
-              </a:rPr>
-              <a:t>Future work </a:t>
-            </a:r>
-            <a:endParaRPr lang="en-US" sz="1600" dirty="0" smtClean="0">
-              <a:latin typeface="Times New Roman" panose="02020603050405020304" pitchFamily="18" charset="0"/>
-              <a:cs typeface="Times New Roman" panose="02020603050405020304" pitchFamily="18" charset="0"/>
-            </a:endParaRPr>
-          </a:p>
-          <a:p>
-            <a:pPr marL="457200" indent="-457200">
-              <a:buFont typeface="+mj-lt"/>
-              <a:buAutoNum type="arabicPeriod"/>
-            </a:pPr>
-            <a:r>
-              <a:rPr lang="en-US" sz="2000" dirty="0" smtClean="0">
-                <a:latin typeface="Times New Roman" panose="02020603050405020304" pitchFamily="18" charset="0"/>
-                <a:cs typeface="Times New Roman" panose="02020603050405020304" pitchFamily="18" charset="0"/>
-              </a:rPr>
               <a:t>REFERENCES</a:t>
             </a:r>
             <a:endParaRPr lang="en-US" sz="2400" dirty="0"/>
@@ -7679,10 +7069,10 @@
           <a:lstStyle/>
           <a:p>
             <a:r>
-              <a:rPr lang="en-US" smtClean="0"/>
+              <a:rPr lang="en-US" dirty="0" smtClean="0"/>
               <a:t>Dept. of CSE,RNSIT</a:t>
             </a:r>
-            <a:endParaRPr lang="en-IN"/>
+            <a:endParaRPr lang="en-IN" dirty="0"/>
           </a:p>
         </p:txBody>
       </p:sp>
@@ -8034,7 +7424,7 @@
               <a:rPr lang="en-IN" smtClean="0"/>
               <a:t>3</a:t>
             </a:fld>
-            <a:endParaRPr lang="en-IN"/>
+            <a:endParaRPr lang="en-IN" dirty="0"/>
           </a:p>
         </p:txBody>
       </p:sp>
@@ -8329,137 +7719,25 @@
           <a:lstStyle/>
           <a:p>
             <a:r>
-              <a:rPr lang="en-IN" sz="2000" dirty="0" err="1" smtClean="0">
-                <a:latin typeface="Times New Roman" panose="02020603050405020304" pitchFamily="18" charset="0"/>
-                <a:cs typeface="Times New Roman" panose="02020603050405020304" pitchFamily="18" charset="0"/>
-              </a:rPr>
-              <a:t>Marieh</a:t>
-            </a:r>
-            <a:r>
               <a:rPr lang="en-IN" sz="2000" dirty="0" smtClean="0">
                 <a:latin typeface="Times New Roman" panose="02020603050405020304" pitchFamily="18" charset="0"/>
                 <a:cs typeface="Times New Roman" panose="02020603050405020304" pitchFamily="18" charset="0"/>
               </a:rPr>
-              <a:t> </a:t>
-            </a:r>
-            <a:r>
-              <a:rPr lang="en-IN" sz="2000" dirty="0" err="1">
-                <a:latin typeface="Times New Roman" panose="02020603050405020304" pitchFamily="18" charset="0"/>
-                <a:cs typeface="Times New Roman" panose="02020603050405020304" pitchFamily="18" charset="0"/>
-              </a:rPr>
-              <a:t>Talebkhah</a:t>
+              <a:t>Marieh </a:t>
             </a:r>
             <a:r>
               <a:rPr lang="en-IN" sz="2000" dirty="0">
                 <a:latin typeface="Times New Roman" panose="02020603050405020304" pitchFamily="18" charset="0"/>
                 <a:cs typeface="Times New Roman" panose="02020603050405020304" pitchFamily="18" charset="0"/>
               </a:rPr>
-              <a:t>; </a:t>
-            </a:r>
-            <a:r>
-              <a:rPr lang="en-IN" sz="2000" dirty="0" err="1">
-                <a:latin typeface="Times New Roman" panose="02020603050405020304" pitchFamily="18" charset="0"/>
-                <a:cs typeface="Times New Roman" panose="02020603050405020304" pitchFamily="18" charset="0"/>
-              </a:rPr>
-              <a:t>Aduwati</a:t>
-            </a:r>
-            <a:r>
-              <a:rPr lang="en-IN" sz="2000" dirty="0">
-                <a:latin typeface="Times New Roman" panose="02020603050405020304" pitchFamily="18" charset="0"/>
-                <a:cs typeface="Times New Roman" panose="02020603050405020304" pitchFamily="18" charset="0"/>
-              </a:rPr>
-              <a:t> </a:t>
-            </a:r>
-            <a:r>
-              <a:rPr lang="en-IN" sz="2000" dirty="0" err="1">
-                <a:latin typeface="Times New Roman" panose="02020603050405020304" pitchFamily="18" charset="0"/>
-                <a:cs typeface="Times New Roman" panose="02020603050405020304" pitchFamily="18" charset="0"/>
-              </a:rPr>
-              <a:t>Sali</a:t>
-            </a:r>
-            <a:r>
-              <a:rPr lang="en-IN" sz="2000" dirty="0">
-                <a:latin typeface="Times New Roman" panose="02020603050405020304" pitchFamily="18" charset="0"/>
-                <a:cs typeface="Times New Roman" panose="02020603050405020304" pitchFamily="18" charset="0"/>
-              </a:rPr>
-              <a:t>; </a:t>
-            </a:r>
-            <a:r>
-              <a:rPr lang="en-IN" sz="2000" dirty="0" err="1">
-                <a:latin typeface="Times New Roman" panose="02020603050405020304" pitchFamily="18" charset="0"/>
-                <a:cs typeface="Times New Roman" panose="02020603050405020304" pitchFamily="18" charset="0"/>
-              </a:rPr>
-              <a:t>Mohen</a:t>
-            </a:r>
-            <a:r>
-              <a:rPr lang="en-IN" sz="2000" dirty="0">
-                <a:latin typeface="Times New Roman" panose="02020603050405020304" pitchFamily="18" charset="0"/>
-                <a:cs typeface="Times New Roman" panose="02020603050405020304" pitchFamily="18" charset="0"/>
-              </a:rPr>
-              <a:t> </a:t>
-            </a:r>
-            <a:r>
-              <a:rPr lang="en-IN" sz="2000" dirty="0" err="1">
-                <a:latin typeface="Times New Roman" panose="02020603050405020304" pitchFamily="18" charset="0"/>
-                <a:cs typeface="Times New Roman" panose="02020603050405020304" pitchFamily="18" charset="0"/>
-              </a:rPr>
-              <a:t>Marjani</a:t>
-            </a:r>
-            <a:r>
-              <a:rPr lang="en-IN" sz="2000" dirty="0">
-                <a:latin typeface="Times New Roman" panose="02020603050405020304" pitchFamily="18" charset="0"/>
-                <a:cs typeface="Times New Roman" panose="02020603050405020304" pitchFamily="18" charset="0"/>
-              </a:rPr>
-              <a:t>; </a:t>
-            </a:r>
-            <a:r>
-              <a:rPr lang="en-IN" sz="2000" dirty="0" err="1">
-                <a:latin typeface="Times New Roman" panose="02020603050405020304" pitchFamily="18" charset="0"/>
-                <a:cs typeface="Times New Roman" panose="02020603050405020304" pitchFamily="18" charset="0"/>
-              </a:rPr>
-              <a:t>Meisam</a:t>
-            </a:r>
-            <a:r>
-              <a:rPr lang="en-IN" sz="2000" dirty="0">
-                <a:latin typeface="Times New Roman" panose="02020603050405020304" pitchFamily="18" charset="0"/>
-                <a:cs typeface="Times New Roman" panose="02020603050405020304" pitchFamily="18" charset="0"/>
-              </a:rPr>
-              <a:t> </a:t>
-            </a:r>
-            <a:r>
-              <a:rPr lang="en-IN" sz="2000" dirty="0" err="1">
-                <a:latin typeface="Times New Roman" panose="02020603050405020304" pitchFamily="18" charset="0"/>
-                <a:cs typeface="Times New Roman" panose="02020603050405020304" pitchFamily="18" charset="0"/>
-              </a:rPr>
-              <a:t>Gordan</a:t>
-            </a:r>
-            <a:r>
-              <a:rPr lang="en-IN" sz="2000" dirty="0">
-                <a:latin typeface="Times New Roman" panose="02020603050405020304" pitchFamily="18" charset="0"/>
-                <a:cs typeface="Times New Roman" panose="02020603050405020304" pitchFamily="18" charset="0"/>
-              </a:rPr>
-              <a:t>; Shaiful </a:t>
-            </a:r>
-            <a:r>
-              <a:rPr lang="en-IN" sz="2000" dirty="0" err="1" smtClean="0">
-                <a:latin typeface="Times New Roman" panose="02020603050405020304" pitchFamily="18" charset="0"/>
-                <a:cs typeface="Times New Roman" panose="02020603050405020304" pitchFamily="18" charset="0"/>
-              </a:rPr>
-              <a:t>Jahari</a:t>
+              <a:t>Talebkhah; Aduwati Sali; Mohen Marjani; Meisam Gordan; Shaiful </a:t>
             </a:r>
             <a:r>
               <a:rPr lang="en-IN" sz="2000" dirty="0" smtClean="0">
                 <a:latin typeface="Times New Roman" panose="02020603050405020304" pitchFamily="18" charset="0"/>
                 <a:cs typeface="Times New Roman" panose="02020603050405020304" pitchFamily="18" charset="0"/>
               </a:rPr>
-              <a:t> </a:t>
-            </a:r>
-            <a:r>
-              <a:rPr lang="en-IN" sz="2000" dirty="0" err="1" smtClean="0">
-                <a:latin typeface="Times New Roman" panose="02020603050405020304" pitchFamily="18" charset="0"/>
-                <a:cs typeface="Times New Roman" panose="02020603050405020304" pitchFamily="18" charset="0"/>
-              </a:rPr>
-              <a:t>Hashim</a:t>
+              <a:t>Jahari Hashim</a:t>
             </a:r>
             <a:r>
               <a:rPr lang="en-IN" sz="2000" dirty="0">
@@ -8538,60 +7816,11 @@
           </a:p>
           <a:p>
             <a:r>
-              <a:rPr lang="en-US" sz="2000" dirty="0" err="1">
-                <a:latin typeface="Times New Roman" panose="02020603050405020304" pitchFamily="18" charset="0"/>
-                <a:cs typeface="Times New Roman" panose="02020603050405020304" pitchFamily="18" charset="0"/>
-              </a:rPr>
-              <a:t>Gagandeep</a:t>
-            </a:r>
-            <a:r>
               <a:rPr lang="en-US" sz="2000" dirty="0">
                 <a:latin typeface="Times New Roman" panose="02020603050405020304" pitchFamily="18" charset="0"/>
                 <a:cs typeface="Times New Roman" panose="02020603050405020304" pitchFamily="18" charset="0"/>
               </a:rPr>
-              <a:t> Kaur; </a:t>
-            </a:r>
-            <a:r>
-              <a:rPr lang="en-US" sz="2000" dirty="0" err="1">
-                <a:latin typeface="Times New Roman" panose="02020603050405020304" pitchFamily="18" charset="0"/>
-                <a:cs typeface="Times New Roman" panose="02020603050405020304" pitchFamily="18" charset="0"/>
-              </a:rPr>
-              <a:t>Ranbir</a:t>
-            </a:r>
-            <a:r>
-              <a:rPr lang="en-US" sz="2000" dirty="0">
-                <a:latin typeface="Times New Roman" panose="02020603050405020304" pitchFamily="18" charset="0"/>
-                <a:cs typeface="Times New Roman" panose="02020603050405020304" pitchFamily="18" charset="0"/>
-              </a:rPr>
-              <a:t> Singh </a:t>
-            </a:r>
-            <a:r>
-              <a:rPr lang="en-US" sz="2000" dirty="0" err="1">
-                <a:latin typeface="Times New Roman" panose="02020603050405020304" pitchFamily="18" charset="0"/>
-                <a:cs typeface="Times New Roman" panose="02020603050405020304" pitchFamily="18" charset="0"/>
-              </a:rPr>
-              <a:t>Batth</a:t>
-            </a:r>
-            <a:r>
-              <a:rPr lang="en-US" sz="2000" dirty="0">
-                <a:latin typeface="Times New Roman" panose="02020603050405020304" pitchFamily="18" charset="0"/>
-                <a:cs typeface="Times New Roman" panose="02020603050405020304" pitchFamily="18" charset="0"/>
-              </a:rPr>
-              <a:t>,” Edge Computing: Classification, Applications, and </a:t>
-            </a:r>
-            <a:r>
-              <a:rPr lang="en-US" sz="2000" dirty="0" err="1">
-                <a:latin typeface="Times New Roman" panose="02020603050405020304" pitchFamily="18" charset="0"/>
-                <a:cs typeface="Times New Roman" panose="02020603050405020304" pitchFamily="18" charset="0"/>
-              </a:rPr>
-              <a:t>Challenges”:This</a:t>
-            </a:r>
-            <a:r>
-              <a:rPr lang="en-US" sz="2000" dirty="0">
-                <a:latin typeface="Times New Roman" panose="02020603050405020304" pitchFamily="18" charset="0"/>
-                <a:cs typeface="Times New Roman" panose="02020603050405020304" pitchFamily="18" charset="0"/>
-              </a:rPr>
-              <a:t> paper introduces the edge computing model and its basic concepts, architecture, key technologies, security, and privacy protection. It provides data storage and computing at the edge of the network, supporting digital transformation and meeting industry requirements. </a:t>
+              <a:t>Gagandeep Kaur; Ranbir Singh Batth,” Edge Computing: Classification, Applications, and Challenges”:This paper introduces the edge computing model and its basic concepts, architecture, key technologies, security, and privacy protection. It provides data storage and computing at the edge of the network, supporting digital transformation and meeting industry requirements. </a:t>
             </a:r>
             <a:endParaRPr lang="en-US" sz="2000" dirty="0" smtClean="0">
               <a:latin typeface="Times New Roman" panose="02020603050405020304" pitchFamily="18" charset="0"/>
@@ -8600,60 +7829,11 @@
           </a:p>
           <a:p>
             <a:r>
-              <a:rPr lang="en-US" sz="2000" dirty="0" err="1">
-                <a:latin typeface="Times New Roman" panose="02020603050405020304" pitchFamily="18" charset="0"/>
-                <a:cs typeface="Times New Roman" panose="02020603050405020304" pitchFamily="18" charset="0"/>
-              </a:rPr>
-              <a:t>Author:Saksham</a:t>
-            </a:r>
-            <a:r>
               <a:rPr lang="en-US" sz="2000" dirty="0">
                 <a:latin typeface="Times New Roman" panose="02020603050405020304" pitchFamily="18" charset="0"/>
                 <a:cs typeface="Times New Roman" panose="02020603050405020304" pitchFamily="18" charset="0"/>
               </a:rPr>
-              <a:t> Mittal; </a:t>
-            </a:r>
-            <a:r>
-              <a:rPr lang="en-US" sz="2000" dirty="0" err="1">
-                <a:latin typeface="Times New Roman" panose="02020603050405020304" pitchFamily="18" charset="0"/>
-                <a:cs typeface="Times New Roman" panose="02020603050405020304" pitchFamily="18" charset="0"/>
-              </a:rPr>
-              <a:t>Neelam</a:t>
-            </a:r>
-            <a:r>
-              <a:rPr lang="en-US" sz="2000" dirty="0">
-                <a:latin typeface="Times New Roman" panose="02020603050405020304" pitchFamily="18" charset="0"/>
-                <a:cs typeface="Times New Roman" panose="02020603050405020304" pitchFamily="18" charset="0"/>
-              </a:rPr>
-              <a:t> </a:t>
-            </a:r>
-            <a:r>
-              <a:rPr lang="en-US" sz="2000" dirty="0" err="1">
-                <a:latin typeface="Times New Roman" panose="02020603050405020304" pitchFamily="18" charset="0"/>
-                <a:cs typeface="Times New Roman" panose="02020603050405020304" pitchFamily="18" charset="0"/>
-              </a:rPr>
-              <a:t>Negi</a:t>
-            </a:r>
-            <a:r>
-              <a:rPr lang="en-US" sz="2000" dirty="0">
-                <a:latin typeface="Times New Roman" panose="02020603050405020304" pitchFamily="18" charset="0"/>
-                <a:cs typeface="Times New Roman" panose="02020603050405020304" pitchFamily="18" charset="0"/>
-              </a:rPr>
-              <a:t>; Rahul Chauhan,” Integration of edge computing with cloud </a:t>
-            </a:r>
-            <a:r>
-              <a:rPr lang="en-US" sz="2000" dirty="0" err="1">
-                <a:latin typeface="Times New Roman" panose="02020603050405020304" pitchFamily="18" charset="0"/>
-                <a:cs typeface="Times New Roman" panose="02020603050405020304" pitchFamily="18" charset="0"/>
-              </a:rPr>
-              <a:t>computing”,Two</a:t>
-            </a:r>
-            <a:r>
-              <a:rPr lang="en-US" sz="2000" dirty="0">
-                <a:latin typeface="Times New Roman" panose="02020603050405020304" pitchFamily="18" charset="0"/>
-                <a:cs typeface="Times New Roman" panose="02020603050405020304" pitchFamily="18" charset="0"/>
-              </a:rPr>
-              <a:t> papers on edge computing: one surveys virtual machine (VM) management, focusing on frameworks, techniques, server less management, and security; the other reviews existing edge computing systems and tools, categorizing them by design demands, and discussing energy efficiency and deep learning optimization. Edge computing integrates IoT, big data, and mobile computing, delivering on-demand computing power and enabling AI</a:t>
+              <a:t>Author:Saksham Mittal; Neelam Negi; Rahul Chauhan,” Integration of edge computing with cloud computing”,Two papers on edge computing: one surveys virtual machine (VM) management, focusing on frameworks, techniques, server less management, and security; the other reviews existing edge computing systems and tools, categorizing them by design demands, and discussing energy efficiency and deep learning optimization. Edge computing integrates IoT, big data, and mobile computing, delivering on-demand computing power and enabling AI</a:t>
             </a:r>
             <a:r>
               <a:rPr lang="en-US" sz="2000" dirty="0" smtClean="0">
@@ -8685,10 +7865,10 @@
           <a:lstStyle/>
           <a:p>
             <a:r>
-              <a:rPr lang="en-US" smtClean="0"/>
+              <a:rPr lang="en-US" dirty="0" smtClean="0"/>
               <a:t>Dept. of CSE,RNSIT</a:t>
             </a:r>
-            <a:endParaRPr lang="en-IN"/>
+            <a:endParaRPr lang="en-IN" dirty="0"/>
           </a:p>
         </p:txBody>
       </p:sp>
@@ -8745,7 +7925,7 @@
               <a:rPr lang="en-IN" smtClean="0"/>
               <a:t>4</a:t>
             </a:fld>
-            <a:endParaRPr lang="en-IN"/>
+            <a:endParaRPr lang="en-IN" dirty="0"/>
           </a:p>
         </p:txBody>
       </p:sp>
@@ -9071,21 +8251,7 @@
                 <a:latin typeface="Times New Roman" panose="02020603050405020304" pitchFamily="18" charset="0"/>
                 <a:cs typeface="Times New Roman" panose="02020603050405020304" pitchFamily="18" charset="0"/>
               </a:rPr>
-              <a:t>In the context of </a:t>
-            </a:r>
-            <a:r>
-              <a:rPr lang="en-US" sz="2000" dirty="0" err="1">
-                <a:latin typeface="Times New Roman" panose="02020603050405020304" pitchFamily="18" charset="0"/>
-                <a:cs typeface="Times New Roman" panose="02020603050405020304" pitchFamily="18" charset="0"/>
-              </a:rPr>
-              <a:t>IIoT</a:t>
-            </a:r>
-            <a:r>
-              <a:rPr lang="en-US" sz="2000" dirty="0">
-                <a:latin typeface="Times New Roman" panose="02020603050405020304" pitchFamily="18" charset="0"/>
-                <a:cs typeface="Times New Roman" panose="02020603050405020304" pitchFamily="18" charset="0"/>
-              </a:rPr>
-              <a:t>, ’edge’ refers to the computing infrastructure that exists close to the sources of data, for example, industrial controllers such as SCADA </a:t>
+              <a:t>In the context of IIoT, ’edge’ refers to the computing infrastructure that exists close to the sources of data, for example, industrial controllers such as SCADA </a:t>
             </a:r>
             <a:r>
               <a:rPr lang="en-US" sz="2000" dirty="0" smtClean="0">
@@ -9146,10 +8312,10 @@
           <a:lstStyle/>
           <a:p>
             <a:r>
-              <a:rPr lang="en-US" smtClean="0"/>
+              <a:rPr lang="en-US" dirty="0" smtClean="0"/>
               <a:t>2022-23</a:t>
             </a:r>
-            <a:endParaRPr lang="en-US"/>
+            <a:endParaRPr lang="en-US" dirty="0"/>
           </a:p>
         </p:txBody>
       </p:sp>
@@ -9172,7 +8338,7 @@
               <a:rPr lang="en-US" smtClean="0"/>
               <a:t>5</a:t>
             </a:fld>
-            <a:endParaRPr lang="en-US"/>
+            <a:endParaRPr lang="en-US" dirty="0"/>
           </a:p>
         </p:txBody>
       </p:sp>
@@ -9349,10 +8515,10 @@
           <a:lstStyle/>
           <a:p>
             <a:r>
-              <a:rPr lang="en-US" smtClean="0"/>
+              <a:rPr lang="en-US" dirty="0" smtClean="0"/>
               <a:t>Dept. of CSE,RNSIT</a:t>
             </a:r>
-            <a:endParaRPr lang="en-US"/>
+            <a:endParaRPr lang="en-US" dirty="0"/>
           </a:p>
         </p:txBody>
       </p:sp>
@@ -9372,10 +8538,10 @@
           <a:lstStyle/>
           <a:p>
             <a:r>
-              <a:rPr lang="en-US" smtClean="0"/>
+              <a:rPr lang="en-US" dirty="0" smtClean="0"/>
               <a:t>2018 - 19</a:t>
             </a:r>
-            <a:endParaRPr lang="en-US"/>
+            <a:endParaRPr lang="en-US" dirty="0"/>
           </a:p>
         </p:txBody>
       </p:sp>
@@ -9398,7 +8564,7 @@
               <a:rPr lang="en-US" smtClean="0"/>
               <a:t>6</a:t>
             </a:fld>
-            <a:endParaRPr lang="en-US"/>
+            <a:endParaRPr lang="en-US" dirty="0"/>
           </a:p>
         </p:txBody>
       </p:sp>
@@ -9855,10 +9021,10 @@
           <a:lstStyle/>
           <a:p>
             <a:r>
-              <a:rPr lang="en-US" smtClean="0"/>
+              <a:rPr lang="en-US" dirty="0" smtClean="0"/>
               <a:t>Dept. of CSE,RNSIT</a:t>
             </a:r>
-            <a:endParaRPr lang="en-IN"/>
+            <a:endParaRPr lang="en-IN" dirty="0"/>
           </a:p>
         </p:txBody>
       </p:sp>
@@ -9915,7 +9081,7 @@
               <a:rPr lang="en-IN" smtClean="0"/>
               <a:t>7</a:t>
             </a:fld>
-            <a:endParaRPr lang="en-IN"/>
+            <a:endParaRPr lang="en-IN" dirty="0"/>
           </a:p>
         </p:txBody>
       </p:sp>
@@ -10092,10 +9258,10 @@
           <a:lstStyle/>
           <a:p>
             <a:r>
-              <a:rPr lang="en-US" smtClean="0"/>
+              <a:rPr lang="en-US" dirty="0" smtClean="0"/>
               <a:t>Dept. of CSE,RNSIT</a:t>
             </a:r>
-            <a:endParaRPr lang="en-IN"/>
+            <a:endParaRPr lang="en-IN" dirty="0"/>
           </a:p>
         </p:txBody>
       </p:sp>
@@ -10152,7 +9318,7 @@
               <a:rPr lang="en-IN" smtClean="0"/>
               <a:t>8</a:t>
             </a:fld>
-            <a:endParaRPr lang="en-IN"/>
+            <a:endParaRPr lang="en-IN" dirty="0"/>
           </a:p>
         </p:txBody>
       </p:sp>
@@ -10466,10 +9632,10 @@
           <a:lstStyle/>
           <a:p>
             <a:r>
-              <a:rPr lang="en-US" smtClean="0"/>
+              <a:rPr lang="en-US" dirty="0" smtClean="0"/>
               <a:t>Dept. of CSE,RNSIT</a:t>
             </a:r>
-            <a:endParaRPr lang="en-US"/>
+            <a:endParaRPr lang="en-US" dirty="0"/>
           </a:p>
         </p:txBody>
       </p:sp>
@@ -10489,10 +9655,10 @@
           <a:lstStyle/>
           <a:p>
             <a:r>
-              <a:rPr lang="en-US" smtClean="0"/>
+              <a:rPr lang="en-US" dirty="0" smtClean="0"/>
               <a:t>2018 - 19</a:t>
             </a:r>
-            <a:endParaRPr lang="en-US"/>
+            <a:endParaRPr lang="en-US" dirty="0"/>
           </a:p>
         </p:txBody>
       </p:sp>
@@ -10515,7 +9681,7 @@
               <a:rPr lang="en-US" smtClean="0"/>
               <a:t>9</a:t>
             </a:fld>
-            <a:endParaRPr lang="en-US"/>
+            <a:endParaRPr lang="en-US" dirty="0"/>
           </a:p>
         </p:txBody>
       </p:sp>
@@ -10529,6 +9695,13 @@
   <p:clrMapOvr>
     <a:masterClrMapping/>
   </p:clrMapOvr>
+  <p:timing>
+    <p:tnLst>
+      <p:par>
+        <p:cTn id="1" dur="indefinite" restart="never" nodeType="tmRoot"/>
+      </p:par>
+    </p:tnLst>
+  </p:timing>
 </p:sld>
 </file>
 
